--- a/_posts/Next Gen App Architecture.pptx
+++ b/_posts/Next Gen App Architecture.pptx
@@ -5,7 +5,7 @@
     <p:sldMasterId id="2147483696" r:id="rId1"/>
   </p:sldMasterIdLst>
   <p:notesMasterIdLst>
-    <p:notesMasterId r:id="rId18"/>
+    <p:notesMasterId r:id="rId20"/>
   </p:notesMasterIdLst>
   <p:sldIdLst>
     <p:sldId id="323" r:id="rId2"/>
@@ -14,16 +14,18 @@
     <p:sldId id="326" r:id="rId5"/>
     <p:sldId id="327" r:id="rId6"/>
     <p:sldId id="328" r:id="rId7"/>
-    <p:sldId id="330" r:id="rId8"/>
-    <p:sldId id="322" r:id="rId9"/>
-    <p:sldId id="320" r:id="rId10"/>
-    <p:sldId id="319" r:id="rId11"/>
-    <p:sldId id="321" r:id="rId12"/>
-    <p:sldId id="316" r:id="rId13"/>
-    <p:sldId id="315" r:id="rId14"/>
-    <p:sldId id="329" r:id="rId15"/>
-    <p:sldId id="312" r:id="rId16"/>
-    <p:sldId id="317" r:id="rId17"/>
+    <p:sldId id="333" r:id="rId8"/>
+    <p:sldId id="334" r:id="rId9"/>
+    <p:sldId id="330" r:id="rId10"/>
+    <p:sldId id="322" r:id="rId11"/>
+    <p:sldId id="320" r:id="rId12"/>
+    <p:sldId id="319" r:id="rId13"/>
+    <p:sldId id="321" r:id="rId14"/>
+    <p:sldId id="316" r:id="rId15"/>
+    <p:sldId id="315" r:id="rId16"/>
+    <p:sldId id="329" r:id="rId17"/>
+    <p:sldId id="312" r:id="rId18"/>
+    <p:sldId id="317" r:id="rId19"/>
   </p:sldIdLst>
   <p:sldSz cx="12192000" cy="6858000"/>
   <p:notesSz cx="6858000" cy="9144000"/>
@@ -477,6 +479,90 @@
     </a:lvl9pPr>
   </p:notesStyle>
 </p:notesMaster>
+</file>
+
+<file path=ppt/notesSlides/notesSlide1.xml><?xml version="1.0" encoding="utf-8"?>
+<p:notes xmlns:a="http://schemas.openxmlformats.org/drawingml/2006/main" xmlns:r="http://schemas.openxmlformats.org/officeDocument/2006/relationships" xmlns:p="http://schemas.openxmlformats.org/presentationml/2006/main">
+  <p:cSld>
+    <p:spTree>
+      <p:nvGrpSpPr>
+        <p:cNvPr id="1" name=""/>
+        <p:cNvGrpSpPr/>
+        <p:nvPr/>
+      </p:nvGrpSpPr>
+      <p:grpSpPr>
+        <a:xfrm>
+          <a:off x="0" y="0"/>
+          <a:ext cx="0" cy="0"/>
+          <a:chOff x="0" y="0"/>
+          <a:chExt cx="0" cy="0"/>
+        </a:xfrm>
+      </p:grpSpPr>
+      <p:sp>
+        <p:nvSpPr>
+          <p:cNvPr id="2" name="Slide Image Placeholder 1"/>
+          <p:cNvSpPr>
+            <a:spLocks noGrp="1" noRot="1" noChangeAspect="1"/>
+          </p:cNvSpPr>
+          <p:nvPr>
+            <p:ph type="sldImg"/>
+          </p:nvPr>
+        </p:nvSpPr>
+        <p:spPr/>
+      </p:sp>
+      <p:sp>
+        <p:nvSpPr>
+          <p:cNvPr id="3" name="Notes Placeholder 2"/>
+          <p:cNvSpPr>
+            <a:spLocks noGrp="1"/>
+          </p:cNvSpPr>
+          <p:nvPr>
+            <p:ph type="body" idx="1"/>
+          </p:nvPr>
+        </p:nvSpPr>
+        <p:spPr/>
+        <p:txBody>
+          <a:bodyPr/>
+          <a:lstStyle/>
+          <a:p>
+            <a:endParaRPr lang="en-US" dirty="0"/>
+          </a:p>
+        </p:txBody>
+      </p:sp>
+      <p:sp>
+        <p:nvSpPr>
+          <p:cNvPr id="4" name="Slide Number Placeholder 3"/>
+          <p:cNvSpPr>
+            <a:spLocks noGrp="1"/>
+          </p:cNvSpPr>
+          <p:nvPr>
+            <p:ph type="sldNum" sz="quarter" idx="5"/>
+          </p:nvPr>
+        </p:nvSpPr>
+        <p:spPr/>
+        <p:txBody>
+          <a:bodyPr/>
+          <a:lstStyle/>
+          <a:p>
+            <a:fld id="{1B83EEB2-FF4B-4C18-A709-51FAD5025B87}" type="slidenum">
+              <a:rPr lang="en-US" smtClean="0"/>
+              <a:t>8</a:t>
+            </a:fld>
+            <a:endParaRPr lang="en-US"/>
+          </a:p>
+        </p:txBody>
+      </p:sp>
+    </p:spTree>
+    <p:extLst>
+      <p:ext uri="{BB962C8B-B14F-4D97-AF65-F5344CB8AC3E}">
+        <p14:creationId xmlns:p14="http://schemas.microsoft.com/office/powerpoint/2010/main" val="3971615461"/>
+      </p:ext>
+    </p:extLst>
+  </p:cSld>
+  <p:clrMapOvr>
+    <a:masterClrMapping/>
+  </p:clrMapOvr>
+</p:notes>
 </file>
 
 <file path=ppt/slideLayouts/slideLayout1.xml><?xml version="1.0" encoding="utf-8"?>
@@ -3883,6 +3969,1201 @@
           <p:cNvPr id="2" name="Title 1">
             <a:extLst>
               <a:ext uri="{FF2B5EF4-FFF2-40B4-BE49-F238E27FC236}">
+                <a16:creationId xmlns:a16="http://schemas.microsoft.com/office/drawing/2014/main" id="{B89CD024-D01F-484F-8492-5670FB47C5D8}"/>
+              </a:ext>
+            </a:extLst>
+          </p:cNvPr>
+          <p:cNvSpPr>
+            <a:spLocks noGrp="1"/>
+          </p:cNvSpPr>
+          <p:nvPr>
+            <p:ph type="title"/>
+          </p:nvPr>
+        </p:nvSpPr>
+        <p:spPr/>
+        <p:txBody>
+          <a:bodyPr/>
+          <a:lstStyle/>
+          <a:p>
+            <a:r>
+              <a:rPr lang="en-US" altLang="zh-CN" dirty="0"/>
+              <a:t>App</a:t>
+            </a:r>
+            <a:r>
+              <a:rPr lang="zh-CN" altLang="en-US" dirty="0"/>
+              <a:t>新语言的趋势</a:t>
+            </a:r>
+            <a:endParaRPr lang="en-US" dirty="0"/>
+          </a:p>
+        </p:txBody>
+      </p:sp>
+      <p:sp>
+        <p:nvSpPr>
+          <p:cNvPr id="3" name="Content Placeholder 2">
+            <a:extLst>
+              <a:ext uri="{FF2B5EF4-FFF2-40B4-BE49-F238E27FC236}">
+                <a16:creationId xmlns:a16="http://schemas.microsoft.com/office/drawing/2014/main" id="{68695ADD-D575-401B-9587-4AB903964BE1}"/>
+              </a:ext>
+            </a:extLst>
+          </p:cNvPr>
+          <p:cNvSpPr>
+            <a:spLocks noGrp="1"/>
+          </p:cNvSpPr>
+          <p:nvPr>
+            <p:ph idx="1"/>
+          </p:nvPr>
+        </p:nvSpPr>
+        <p:spPr>
+          <a:xfrm>
+            <a:off x="838200" y="1825625"/>
+            <a:ext cx="10515600" cy="4482646"/>
+          </a:xfrm>
+        </p:spPr>
+        <p:txBody>
+          <a:bodyPr>
+            <a:normAutofit fontScale="70000" lnSpcReduction="20000"/>
+          </a:bodyPr>
+          <a:lstStyle/>
+          <a:p>
+            <a:pPr>
+              <a:lnSpc>
+                <a:spcPct val="120000"/>
+              </a:lnSpc>
+            </a:pPr>
+            <a:r>
+              <a:rPr lang="zh-CN" altLang="en-US" dirty="0"/>
+              <a:t>趋势判断</a:t>
+            </a:r>
+            <a:endParaRPr lang="en-US" altLang="zh-CN" dirty="0"/>
+          </a:p>
+          <a:p>
+            <a:pPr lvl="1">
+              <a:lnSpc>
+                <a:spcPct val="120000"/>
+              </a:lnSpc>
+            </a:pPr>
+            <a:r>
+              <a:rPr lang="en-US" altLang="zh-CN" dirty="0"/>
+              <a:t>Low</a:t>
+            </a:r>
+            <a:r>
+              <a:rPr lang="zh-CN" altLang="en-US" dirty="0"/>
+              <a:t> </a:t>
+            </a:r>
+            <a:r>
+              <a:rPr lang="en-US" altLang="zh-CN" dirty="0"/>
+              <a:t>coding,</a:t>
+            </a:r>
+            <a:r>
+              <a:rPr lang="zh-CN" altLang="en-US" dirty="0"/>
+              <a:t> </a:t>
+            </a:r>
+            <a:r>
+              <a:rPr lang="en-US" altLang="zh-CN" dirty="0"/>
+              <a:t>no</a:t>
+            </a:r>
+            <a:r>
+              <a:rPr lang="zh-CN" altLang="en-US" dirty="0"/>
+              <a:t> </a:t>
+            </a:r>
+            <a:r>
+              <a:rPr lang="en-US" altLang="zh-CN" dirty="0"/>
+              <a:t>coding</a:t>
+            </a:r>
+            <a:r>
+              <a:rPr lang="zh-CN" altLang="en-US" dirty="0"/>
+              <a:t>是前端发展的趋势，设计和实现一体的</a:t>
+            </a:r>
+            <a:r>
+              <a:rPr lang="en-US" altLang="zh-CN" dirty="0"/>
+              <a:t>IDE</a:t>
+            </a:r>
+            <a:r>
+              <a:rPr lang="zh-CN" altLang="en-US" dirty="0"/>
+              <a:t>（</a:t>
+            </a:r>
+            <a:r>
+              <a:rPr lang="en-US" altLang="zh-CN" dirty="0" err="1"/>
+              <a:t>figma</a:t>
+            </a:r>
+            <a:r>
+              <a:rPr lang="en-US" altLang="zh-CN" dirty="0"/>
+              <a:t>, </a:t>
+            </a:r>
+            <a:r>
+              <a:rPr lang="en-US" altLang="zh-CN" dirty="0" err="1"/>
+              <a:t>webflow</a:t>
+            </a:r>
+            <a:r>
+              <a:rPr lang="zh-CN" altLang="en-US" dirty="0"/>
+              <a:t>），声明式编程的普遍采纳</a:t>
+            </a:r>
+            <a:endParaRPr lang="en-US" altLang="zh-CN" dirty="0"/>
+          </a:p>
+          <a:p>
+            <a:pPr lvl="1">
+              <a:lnSpc>
+                <a:spcPct val="120000"/>
+              </a:lnSpc>
+            </a:pPr>
+            <a:r>
+              <a:rPr lang="en-US" altLang="zh-CN" dirty="0"/>
+              <a:t>Micro-frontend</a:t>
+            </a:r>
+            <a:r>
+              <a:rPr lang="zh-CN" altLang="en-US" dirty="0"/>
+              <a:t>，大厂内部实现了</a:t>
+            </a:r>
+            <a:r>
+              <a:rPr lang="en-US" altLang="zh-CN" dirty="0"/>
+              <a:t>App</a:t>
+            </a:r>
+            <a:r>
+              <a:rPr lang="zh-CN" altLang="en-US" dirty="0"/>
+              <a:t>能力组件化，云端和前端主要工作是粘贴和组合，相应的</a:t>
+            </a:r>
+            <a:r>
+              <a:rPr lang="en-US" altLang="zh-CN" dirty="0"/>
+              <a:t>SaaS</a:t>
+            </a:r>
+            <a:r>
+              <a:rPr lang="zh-CN" altLang="en-US" dirty="0"/>
+              <a:t>工具（</a:t>
+            </a:r>
+            <a:r>
+              <a:rPr lang="en-US" altLang="zh-CN" dirty="0">
+                <a:hlinkClick r:id="rId2"/>
+              </a:rPr>
+              <a:t>https://bit.dev/</a:t>
+            </a:r>
+            <a:r>
+              <a:rPr lang="zh-CN" altLang="en-US" dirty="0"/>
+              <a:t>，</a:t>
+            </a:r>
+            <a:r>
+              <a:rPr lang="en-US" altLang="zh-CN" dirty="0"/>
+              <a:t>https://www.framer.com/</a:t>
+            </a:r>
+            <a:r>
+              <a:rPr lang="zh-CN" altLang="en-US" dirty="0"/>
+              <a:t>）</a:t>
+            </a:r>
+            <a:endParaRPr lang="en-US" altLang="zh-CN" dirty="0"/>
+          </a:p>
+          <a:p>
+            <a:pPr lvl="1">
+              <a:lnSpc>
+                <a:spcPct val="120000"/>
+              </a:lnSpc>
+            </a:pPr>
+            <a:r>
+              <a:rPr lang="zh-CN" altLang="en-US" dirty="0"/>
+              <a:t>针对对</a:t>
+            </a:r>
+            <a:r>
+              <a:rPr lang="en-US" altLang="zh-CN" dirty="0"/>
+              <a:t>domain</a:t>
+            </a:r>
+            <a:r>
+              <a:rPr lang="zh-CN" altLang="en-US" dirty="0"/>
+              <a:t>的</a:t>
+            </a:r>
+            <a:r>
+              <a:rPr lang="en-US" altLang="zh-CN" dirty="0"/>
+              <a:t>DSL</a:t>
+            </a:r>
+            <a:r>
+              <a:rPr lang="zh-CN" altLang="en-US" dirty="0"/>
+              <a:t>配合</a:t>
+            </a:r>
+            <a:r>
+              <a:rPr lang="en-US" altLang="zh-CN" dirty="0"/>
+              <a:t>compiler</a:t>
+            </a:r>
+            <a:r>
+              <a:rPr lang="zh-CN" altLang="en-US" dirty="0"/>
+              <a:t>优化</a:t>
+            </a:r>
+            <a:r>
+              <a:rPr lang="en-US" altLang="zh-CN" dirty="0"/>
+              <a:t>domain</a:t>
+            </a:r>
+            <a:r>
+              <a:rPr lang="zh-CN" altLang="en-US" dirty="0"/>
+              <a:t>问题，例如：</a:t>
+            </a:r>
+            <a:r>
+              <a:rPr lang="en-US" altLang="zh-CN" dirty="0"/>
+              <a:t>JS</a:t>
+            </a:r>
+            <a:r>
+              <a:rPr lang="zh-CN" altLang="en-US" dirty="0"/>
+              <a:t>之上发展出来的</a:t>
+            </a:r>
+            <a:r>
+              <a:rPr lang="en-US" altLang="zh-CN" dirty="0"/>
+              <a:t>DSL</a:t>
+            </a:r>
+            <a:r>
+              <a:rPr lang="zh-CN" altLang="en-US" dirty="0"/>
+              <a:t>，伯克利</a:t>
+            </a:r>
+            <a:r>
+              <a:rPr lang="en-US" altLang="zh-CN" dirty="0"/>
+              <a:t>hydro-flow</a:t>
+            </a:r>
+            <a:r>
+              <a:rPr lang="zh-CN" altLang="en-US" dirty="0"/>
+              <a:t>项目基于</a:t>
+            </a:r>
+            <a:r>
+              <a:rPr lang="en-US" altLang="zh-CN" dirty="0"/>
+              <a:t>Rust</a:t>
+            </a:r>
+            <a:r>
+              <a:rPr lang="zh-CN" altLang="en-US" dirty="0"/>
+              <a:t>构建的多个</a:t>
+            </a:r>
+            <a:r>
+              <a:rPr lang="en-US" altLang="zh-CN" dirty="0"/>
+              <a:t>DSL</a:t>
+            </a:r>
+          </a:p>
+          <a:p>
+            <a:pPr>
+              <a:lnSpc>
+                <a:spcPct val="120000"/>
+              </a:lnSpc>
+            </a:pPr>
+            <a:r>
+              <a:rPr lang="zh-CN" altLang="en-US" dirty="0"/>
+              <a:t>新语言的战略</a:t>
+            </a:r>
+            <a:endParaRPr lang="en-US" altLang="zh-CN" dirty="0"/>
+          </a:p>
+          <a:p>
+            <a:pPr lvl="1">
+              <a:lnSpc>
+                <a:spcPct val="120000"/>
+              </a:lnSpc>
+            </a:pPr>
+            <a:r>
+              <a:rPr lang="zh-CN" altLang="en-US" dirty="0"/>
+              <a:t>底座语言做能力：系统语言，性能，安全，跨平台，多语言集成，值得长期投资</a:t>
+            </a:r>
+            <a:endParaRPr lang="en-US" altLang="zh-CN" dirty="0"/>
+          </a:p>
+          <a:p>
+            <a:pPr lvl="1">
+              <a:lnSpc>
+                <a:spcPct val="120000"/>
+              </a:lnSpc>
+            </a:pPr>
+            <a:r>
+              <a:rPr lang="zh-CN" altLang="en-US" dirty="0"/>
+              <a:t>胶水语言粘用户：拉通设计和工程，</a:t>
+            </a:r>
+            <a:r>
+              <a:rPr lang="en-US" altLang="zh-CN" dirty="0"/>
+              <a:t>low coding</a:t>
+            </a:r>
+            <a:r>
+              <a:rPr lang="zh-CN" altLang="en-US" dirty="0"/>
+              <a:t>，</a:t>
+            </a:r>
+            <a:r>
+              <a:rPr lang="en-US" altLang="zh-CN" dirty="0"/>
+              <a:t>no coding</a:t>
+            </a:r>
+            <a:r>
+              <a:rPr lang="zh-CN" altLang="en-US" dirty="0"/>
+              <a:t>，组件化，服务化，胶水</a:t>
+            </a:r>
+            <a:r>
+              <a:rPr lang="en-US" altLang="zh-CN" dirty="0"/>
+              <a:t>DSL</a:t>
+            </a:r>
+            <a:r>
+              <a:rPr lang="zh-CN" altLang="en-US" dirty="0"/>
+              <a:t>语言</a:t>
+            </a:r>
+            <a:endParaRPr lang="en-US" altLang="zh-CN" dirty="0"/>
+          </a:p>
+          <a:p>
+            <a:pPr lvl="1">
+              <a:lnSpc>
+                <a:spcPct val="120000"/>
+              </a:lnSpc>
+            </a:pPr>
+            <a:r>
+              <a:rPr lang="zh-CN" altLang="en-US" dirty="0"/>
+              <a:t>投资在基础底座语言上构建</a:t>
+            </a:r>
+            <a:r>
+              <a:rPr lang="en-US" altLang="zh-CN" dirty="0"/>
+              <a:t>DSL</a:t>
+            </a:r>
+            <a:r>
+              <a:rPr lang="zh-CN" altLang="en-US" dirty="0"/>
+              <a:t>的能力，通过开放社区快速迭代（微软的</a:t>
+            </a:r>
+            <a:r>
+              <a:rPr lang="en-US" altLang="zh-CN" dirty="0"/>
+              <a:t>TS</a:t>
+            </a:r>
+            <a:r>
+              <a:rPr lang="zh-CN" altLang="en-US" dirty="0"/>
+              <a:t>战略）</a:t>
+            </a:r>
+            <a:endParaRPr lang="en-US" altLang="zh-CN" dirty="0"/>
+          </a:p>
+          <a:p>
+            <a:pPr lvl="1">
+              <a:lnSpc>
+                <a:spcPct val="120000"/>
+              </a:lnSpc>
+            </a:pPr>
+            <a:r>
+              <a:rPr lang="zh-CN" altLang="en-US" dirty="0"/>
+              <a:t>透明更换底座：把</a:t>
+            </a:r>
+            <a:r>
+              <a:rPr lang="en-US" altLang="zh-CN" dirty="0"/>
+              <a:t>JS</a:t>
+            </a:r>
+            <a:r>
+              <a:rPr lang="zh-CN" altLang="en-US" dirty="0"/>
+              <a:t>的</a:t>
+            </a:r>
+            <a:r>
+              <a:rPr lang="en-US" altLang="zh-CN" dirty="0"/>
+              <a:t>DSL</a:t>
+            </a:r>
+            <a:r>
+              <a:rPr lang="zh-CN" altLang="en-US" dirty="0"/>
+              <a:t>变为</a:t>
+            </a:r>
+            <a:r>
+              <a:rPr lang="en-US" altLang="zh-CN" dirty="0"/>
+              <a:t>Rust DSL</a:t>
+            </a:r>
+            <a:r>
+              <a:rPr lang="zh-CN" altLang="en-US" dirty="0"/>
+              <a:t>，提升性能和安全性</a:t>
+            </a:r>
+            <a:endParaRPr lang="en-US" altLang="zh-CN" dirty="0"/>
+          </a:p>
+        </p:txBody>
+      </p:sp>
+    </p:spTree>
+    <p:extLst>
+      <p:ext uri="{BB962C8B-B14F-4D97-AF65-F5344CB8AC3E}">
+        <p14:creationId xmlns:p14="http://schemas.microsoft.com/office/powerpoint/2010/main" val="1316401071"/>
+      </p:ext>
+    </p:extLst>
+  </p:cSld>
+  <p:clrMapOvr>
+    <a:masterClrMapping/>
+  </p:clrMapOvr>
+</p:sld>
+</file>
+
+<file path=ppt/slides/slide11.xml><?xml version="1.0" encoding="utf-8"?>
+<p:sld xmlns:a="http://schemas.openxmlformats.org/drawingml/2006/main" xmlns:r="http://schemas.openxmlformats.org/officeDocument/2006/relationships" xmlns:p="http://schemas.openxmlformats.org/presentationml/2006/main">
+  <p:cSld>
+    <p:spTree>
+      <p:nvGrpSpPr>
+        <p:cNvPr id="1" name=""/>
+        <p:cNvGrpSpPr/>
+        <p:nvPr/>
+      </p:nvGrpSpPr>
+      <p:grpSpPr>
+        <a:xfrm>
+          <a:off x="0" y="0"/>
+          <a:ext cx="0" cy="0"/>
+          <a:chOff x="0" y="0"/>
+          <a:chExt cx="0" cy="0"/>
+        </a:xfrm>
+      </p:grpSpPr>
+      <p:sp>
+        <p:nvSpPr>
+          <p:cNvPr id="2" name="Title 1">
+            <a:extLst>
+              <a:ext uri="{FF2B5EF4-FFF2-40B4-BE49-F238E27FC236}">
+                <a16:creationId xmlns:a16="http://schemas.microsoft.com/office/drawing/2014/main" id="{84779A4C-E634-497E-B201-02C37BA20609}"/>
+              </a:ext>
+            </a:extLst>
+          </p:cNvPr>
+          <p:cNvSpPr>
+            <a:spLocks noGrp="1"/>
+          </p:cNvSpPr>
+          <p:nvPr>
+            <p:ph type="title"/>
+          </p:nvPr>
+        </p:nvSpPr>
+        <p:spPr/>
+        <p:txBody>
+          <a:bodyPr/>
+          <a:lstStyle/>
+          <a:p>
+            <a:r>
+              <a:rPr lang="en-US" altLang="zh-CN" dirty="0"/>
+              <a:t>App</a:t>
+            </a:r>
+            <a:r>
+              <a:rPr lang="zh-CN" altLang="en-US" dirty="0"/>
+              <a:t>前端语言的机会</a:t>
+            </a:r>
+            <a:endParaRPr lang="en-US" dirty="0"/>
+          </a:p>
+        </p:txBody>
+      </p:sp>
+      <p:sp>
+        <p:nvSpPr>
+          <p:cNvPr id="3" name="Content Placeholder 2">
+            <a:extLst>
+              <a:ext uri="{FF2B5EF4-FFF2-40B4-BE49-F238E27FC236}">
+                <a16:creationId xmlns:a16="http://schemas.microsoft.com/office/drawing/2014/main" id="{44554B17-36E6-41D4-B804-23746D76A53C}"/>
+              </a:ext>
+            </a:extLst>
+          </p:cNvPr>
+          <p:cNvSpPr>
+            <a:spLocks noGrp="1"/>
+          </p:cNvSpPr>
+          <p:nvPr>
+            <p:ph idx="1"/>
+          </p:nvPr>
+        </p:nvSpPr>
+        <p:spPr>
+          <a:xfrm>
+            <a:off x="838199" y="1825625"/>
+            <a:ext cx="5105402" cy="4460875"/>
+          </a:xfrm>
+        </p:spPr>
+        <p:txBody>
+          <a:bodyPr>
+            <a:normAutofit fontScale="70000" lnSpcReduction="20000"/>
+          </a:bodyPr>
+          <a:lstStyle/>
+          <a:p>
+            <a:pPr>
+              <a:lnSpc>
+                <a:spcPct val="120000"/>
+              </a:lnSpc>
+            </a:pPr>
+            <a:r>
+              <a:rPr lang="zh-CN" altLang="en-US" dirty="0"/>
+              <a:t>前端语言的多样场景，导致已经在</a:t>
+            </a:r>
+            <a:r>
+              <a:rPr lang="en-US" altLang="zh-CN" dirty="0"/>
+              <a:t>JS</a:t>
+            </a:r>
+            <a:r>
+              <a:rPr lang="zh-CN" altLang="en-US" dirty="0"/>
+              <a:t>上长出不同的</a:t>
+            </a:r>
+            <a:r>
+              <a:rPr lang="en-US" altLang="zh-CN" dirty="0"/>
+              <a:t>DSL</a:t>
+            </a:r>
+          </a:p>
+          <a:p>
+            <a:pPr lvl="1">
+              <a:lnSpc>
+                <a:spcPct val="120000"/>
+              </a:lnSpc>
+            </a:pPr>
+            <a:r>
+              <a:rPr lang="en-US" altLang="zh-CN" dirty="0"/>
+              <a:t>Layout </a:t>
+            </a:r>
+            <a:r>
+              <a:rPr lang="zh-CN" altLang="en-US" dirty="0"/>
+              <a:t>设计，声明式编程主导</a:t>
+            </a:r>
+            <a:endParaRPr lang="en-US" altLang="zh-CN" dirty="0"/>
+          </a:p>
+          <a:p>
+            <a:pPr lvl="2">
+              <a:lnSpc>
+                <a:spcPct val="120000"/>
+              </a:lnSpc>
+            </a:pPr>
+            <a:r>
+              <a:rPr lang="en-US" altLang="zh-CN" dirty="0"/>
+              <a:t>–</a:t>
+            </a:r>
+            <a:r>
+              <a:rPr lang="zh-CN" altLang="en-US" dirty="0"/>
+              <a:t> </a:t>
+            </a:r>
+            <a:r>
+              <a:rPr lang="en-US" altLang="zh-CN" dirty="0"/>
+              <a:t>React JSX,  RAX, </a:t>
+            </a:r>
+            <a:r>
+              <a:rPr lang="zh-CN" altLang="en-US" dirty="0"/>
+              <a:t>基于</a:t>
+            </a:r>
+            <a:r>
+              <a:rPr lang="en-US" altLang="zh-CN" dirty="0"/>
+              <a:t>JS</a:t>
+            </a:r>
+            <a:r>
+              <a:rPr lang="zh-CN" altLang="en-US" dirty="0"/>
+              <a:t>的</a:t>
+            </a:r>
+            <a:r>
+              <a:rPr lang="en-US" altLang="zh-CN" dirty="0"/>
+              <a:t>DSL</a:t>
+            </a:r>
+            <a:r>
+              <a:rPr lang="zh-CN" altLang="en-US" dirty="0"/>
+              <a:t>，通过</a:t>
+            </a:r>
+            <a:r>
+              <a:rPr lang="en-US" altLang="zh-CN" dirty="0"/>
+              <a:t>Babel </a:t>
+            </a:r>
+            <a:r>
+              <a:rPr lang="en-US" altLang="zh-CN" dirty="0" err="1"/>
+              <a:t>transcompile</a:t>
+            </a:r>
+            <a:r>
+              <a:rPr lang="zh-CN" altLang="en-US" dirty="0"/>
+              <a:t>到</a:t>
+            </a:r>
+            <a:r>
+              <a:rPr lang="en-US" altLang="zh-CN" dirty="0"/>
+              <a:t>JS</a:t>
+            </a:r>
+          </a:p>
+          <a:p>
+            <a:pPr lvl="2">
+              <a:lnSpc>
+                <a:spcPct val="120000"/>
+              </a:lnSpc>
+            </a:pPr>
+            <a:r>
+              <a:rPr lang="en-US" altLang="zh-CN" dirty="0" err="1"/>
+              <a:t>SwiftUI</a:t>
+            </a:r>
+            <a:r>
+              <a:rPr lang="zh-CN" altLang="en-US" dirty="0"/>
+              <a:t>，</a:t>
+            </a:r>
+            <a:r>
+              <a:rPr lang="en-US" altLang="zh-CN" dirty="0"/>
+              <a:t>Jetpack</a:t>
+            </a:r>
+          </a:p>
+          <a:p>
+            <a:pPr lvl="1">
+              <a:lnSpc>
+                <a:spcPct val="120000"/>
+              </a:lnSpc>
+            </a:pPr>
+            <a:r>
+              <a:rPr lang="zh-CN" altLang="en-US" dirty="0"/>
+              <a:t>业务逻辑</a:t>
+            </a:r>
+            <a:endParaRPr lang="en-US" altLang="zh-CN" dirty="0"/>
+          </a:p>
+          <a:p>
+            <a:pPr lvl="2">
+              <a:lnSpc>
+                <a:spcPct val="120000"/>
+              </a:lnSpc>
+            </a:pPr>
+            <a:r>
+              <a:rPr lang="en-US" dirty="0"/>
+              <a:t>TypeScript</a:t>
+            </a:r>
+            <a:r>
+              <a:rPr lang="zh-CN" altLang="en-US" dirty="0"/>
+              <a:t>，强类型，通过</a:t>
+            </a:r>
+            <a:r>
+              <a:rPr lang="en-US" altLang="zh-CN" dirty="0"/>
+              <a:t>Babel </a:t>
+            </a:r>
+            <a:r>
+              <a:rPr lang="en-US" altLang="zh-CN" dirty="0" err="1"/>
+              <a:t>transcompile</a:t>
+            </a:r>
+            <a:r>
+              <a:rPr lang="zh-CN" altLang="en-US" dirty="0"/>
+              <a:t>到</a:t>
+            </a:r>
+            <a:r>
+              <a:rPr lang="en-US" altLang="zh-CN" dirty="0"/>
+              <a:t>JS</a:t>
+            </a:r>
+          </a:p>
+          <a:p>
+            <a:pPr lvl="2">
+              <a:lnSpc>
+                <a:spcPct val="120000"/>
+              </a:lnSpc>
+            </a:pPr>
+            <a:r>
+              <a:rPr lang="en-US" altLang="zh-CN" dirty="0"/>
+              <a:t>Dart</a:t>
+            </a:r>
+            <a:r>
+              <a:rPr lang="zh-CN" altLang="en-US" dirty="0"/>
+              <a:t>，强类型，通过</a:t>
+            </a:r>
+            <a:r>
+              <a:rPr lang="en-US" altLang="zh-CN" dirty="0"/>
+              <a:t>dart2js </a:t>
+            </a:r>
+            <a:r>
+              <a:rPr lang="en-US" altLang="zh-CN" dirty="0" err="1"/>
+              <a:t>transcompile</a:t>
+            </a:r>
+            <a:r>
+              <a:rPr lang="zh-CN" altLang="en-US" dirty="0"/>
+              <a:t>到</a:t>
+            </a:r>
+            <a:r>
+              <a:rPr lang="en-US" altLang="zh-CN" dirty="0"/>
+              <a:t>JS</a:t>
+            </a:r>
+          </a:p>
+          <a:p>
+            <a:pPr lvl="1">
+              <a:lnSpc>
+                <a:spcPct val="120000"/>
+              </a:lnSpc>
+            </a:pPr>
+            <a:r>
+              <a:rPr lang="zh-CN" altLang="en-US" dirty="0"/>
+              <a:t>计算类型</a:t>
+            </a:r>
+            <a:endParaRPr lang="en-US" altLang="zh-CN" dirty="0"/>
+          </a:p>
+          <a:p>
+            <a:pPr lvl="2">
+              <a:lnSpc>
+                <a:spcPct val="120000"/>
+              </a:lnSpc>
+            </a:pPr>
+            <a:r>
+              <a:rPr lang="en-US" altLang="zh-CN" dirty="0"/>
+              <a:t>C/C++</a:t>
+            </a:r>
+            <a:r>
+              <a:rPr lang="zh-CN" altLang="en-US" dirty="0"/>
+              <a:t>，</a:t>
+            </a:r>
+            <a:r>
+              <a:rPr lang="en-US" altLang="zh-CN" dirty="0"/>
+              <a:t>Rust</a:t>
+            </a:r>
+            <a:r>
+              <a:rPr lang="zh-CN" altLang="en-US" dirty="0"/>
+              <a:t>，通过</a:t>
+            </a:r>
+            <a:r>
+              <a:rPr lang="en-US" altLang="zh-CN" dirty="0"/>
+              <a:t>asm.js</a:t>
+            </a:r>
+            <a:r>
+              <a:rPr lang="zh-CN" altLang="en-US" dirty="0"/>
+              <a:t> </a:t>
+            </a:r>
+            <a:r>
+              <a:rPr lang="en-US" altLang="zh-CN" dirty="0"/>
+              <a:t>compile </a:t>
+            </a:r>
+            <a:r>
+              <a:rPr lang="zh-CN" altLang="en-US" dirty="0"/>
+              <a:t>到</a:t>
+            </a:r>
+            <a:r>
+              <a:rPr lang="en-US" altLang="zh-CN" dirty="0"/>
+              <a:t>JS</a:t>
+            </a:r>
+          </a:p>
+          <a:p>
+            <a:pPr lvl="1">
+              <a:lnSpc>
+                <a:spcPct val="120000"/>
+              </a:lnSpc>
+            </a:pPr>
+            <a:r>
+              <a:rPr lang="zh-CN" altLang="en-US" dirty="0"/>
+              <a:t>数据</a:t>
+            </a:r>
+            <a:r>
+              <a:rPr lang="en-US" altLang="zh-CN" dirty="0"/>
+              <a:t>ORM</a:t>
+            </a:r>
+          </a:p>
+          <a:p>
+            <a:pPr lvl="2">
+              <a:lnSpc>
+                <a:spcPct val="120000"/>
+              </a:lnSpc>
+            </a:pPr>
+            <a:r>
+              <a:rPr lang="en-US" altLang="zh-CN" dirty="0" err="1"/>
+              <a:t>GraphQL</a:t>
+            </a:r>
+            <a:r>
+              <a:rPr lang="zh-CN" altLang="en-US" dirty="0"/>
+              <a:t>，拉通前后台的数据图描述</a:t>
+            </a:r>
+            <a:endParaRPr lang="en-US" altLang="zh-CN" dirty="0"/>
+          </a:p>
+          <a:p>
+            <a:pPr lvl="2"/>
+            <a:endParaRPr lang="en-US" dirty="0"/>
+          </a:p>
+        </p:txBody>
+      </p:sp>
+      <p:sp>
+        <p:nvSpPr>
+          <p:cNvPr id="6" name="Content Placeholder 2">
+            <a:extLst>
+              <a:ext uri="{FF2B5EF4-FFF2-40B4-BE49-F238E27FC236}">
+                <a16:creationId xmlns:a16="http://schemas.microsoft.com/office/drawing/2014/main" id="{EC0A4186-9C3E-4148-8E35-0909A741F1F0}"/>
+              </a:ext>
+            </a:extLst>
+          </p:cNvPr>
+          <p:cNvSpPr txBox="1">
+            <a:spLocks/>
+          </p:cNvSpPr>
+          <p:nvPr/>
+        </p:nvSpPr>
+        <p:spPr>
+          <a:xfrm>
+            <a:off x="6248401" y="1825625"/>
+            <a:ext cx="4419600" cy="4226832"/>
+          </a:xfrm>
+          <a:prstGeom prst="rect">
+            <a:avLst/>
+          </a:prstGeom>
+        </p:spPr>
+        <p:txBody>
+          <a:bodyPr vert="horz" lIns="91440" tIns="45720" rIns="91440" bIns="45720" rtlCol="0">
+            <a:normAutofit fontScale="70000" lnSpcReduction="20000"/>
+          </a:bodyPr>
+          <a:lstStyle>
+            <a:lvl1pPr marL="228600" indent="-228600" algn="l" defTabSz="914400" rtl="0" eaLnBrk="1" latinLnBrk="0" hangingPunct="1">
+              <a:lnSpc>
+                <a:spcPct val="90000"/>
+              </a:lnSpc>
+              <a:spcBef>
+                <a:spcPts val="1000"/>
+              </a:spcBef>
+              <a:buFont typeface="Arial" panose="020B0604020202020204" pitchFamily="34" charset="0"/>
+              <a:buChar char="•"/>
+              <a:defRPr sz="2800" kern="1200">
+                <a:solidFill>
+                  <a:schemeClr val="tx1"/>
+                </a:solidFill>
+                <a:latin typeface="+mn-lt"/>
+                <a:ea typeface="+mn-ea"/>
+                <a:cs typeface="+mn-cs"/>
+              </a:defRPr>
+            </a:lvl1pPr>
+            <a:lvl2pPr marL="685800" indent="-228600" algn="l" defTabSz="914400" rtl="0" eaLnBrk="1" latinLnBrk="0" hangingPunct="1">
+              <a:lnSpc>
+                <a:spcPct val="90000"/>
+              </a:lnSpc>
+              <a:spcBef>
+                <a:spcPts val="500"/>
+              </a:spcBef>
+              <a:buFont typeface="Arial" panose="020B0604020202020204" pitchFamily="34" charset="0"/>
+              <a:buChar char="•"/>
+              <a:defRPr sz="2400" kern="1200">
+                <a:solidFill>
+                  <a:schemeClr val="tx1"/>
+                </a:solidFill>
+                <a:latin typeface="+mn-lt"/>
+                <a:ea typeface="+mn-ea"/>
+                <a:cs typeface="+mn-cs"/>
+              </a:defRPr>
+            </a:lvl2pPr>
+            <a:lvl3pPr marL="1143000" indent="-228600" algn="l" defTabSz="914400" rtl="0" eaLnBrk="1" latinLnBrk="0" hangingPunct="1">
+              <a:lnSpc>
+                <a:spcPct val="90000"/>
+              </a:lnSpc>
+              <a:spcBef>
+                <a:spcPts val="500"/>
+              </a:spcBef>
+              <a:buFont typeface="Arial" panose="020B0604020202020204" pitchFamily="34" charset="0"/>
+              <a:buChar char="•"/>
+              <a:defRPr sz="2000" kern="1200">
+                <a:solidFill>
+                  <a:schemeClr val="tx1"/>
+                </a:solidFill>
+                <a:latin typeface="+mn-lt"/>
+                <a:ea typeface="+mn-ea"/>
+                <a:cs typeface="+mn-cs"/>
+              </a:defRPr>
+            </a:lvl3pPr>
+            <a:lvl4pPr marL="1600200" indent="-228600" algn="l" defTabSz="914400" rtl="0" eaLnBrk="1" latinLnBrk="0" hangingPunct="1">
+              <a:lnSpc>
+                <a:spcPct val="90000"/>
+              </a:lnSpc>
+              <a:spcBef>
+                <a:spcPts val="500"/>
+              </a:spcBef>
+              <a:buFont typeface="Arial" panose="020B0604020202020204" pitchFamily="34" charset="0"/>
+              <a:buChar char="•"/>
+              <a:defRPr sz="1800" kern="1200">
+                <a:solidFill>
+                  <a:schemeClr val="tx1"/>
+                </a:solidFill>
+                <a:latin typeface="+mn-lt"/>
+                <a:ea typeface="+mn-ea"/>
+                <a:cs typeface="+mn-cs"/>
+              </a:defRPr>
+            </a:lvl4pPr>
+            <a:lvl5pPr marL="2057400" indent="-228600" algn="l" defTabSz="914400" rtl="0" eaLnBrk="1" latinLnBrk="0" hangingPunct="1">
+              <a:lnSpc>
+                <a:spcPct val="90000"/>
+              </a:lnSpc>
+              <a:spcBef>
+                <a:spcPts val="500"/>
+              </a:spcBef>
+              <a:buFont typeface="Arial" panose="020B0604020202020204" pitchFamily="34" charset="0"/>
+              <a:buChar char="•"/>
+              <a:defRPr sz="1800" kern="1200">
+                <a:solidFill>
+                  <a:schemeClr val="tx1"/>
+                </a:solidFill>
+                <a:latin typeface="+mn-lt"/>
+                <a:ea typeface="+mn-ea"/>
+                <a:cs typeface="+mn-cs"/>
+              </a:defRPr>
+            </a:lvl5pPr>
+            <a:lvl6pPr marL="2514600" indent="-228600" algn="l" defTabSz="914400" rtl="0" eaLnBrk="1" latinLnBrk="0" hangingPunct="1">
+              <a:lnSpc>
+                <a:spcPct val="90000"/>
+              </a:lnSpc>
+              <a:spcBef>
+                <a:spcPts val="500"/>
+              </a:spcBef>
+              <a:buFont typeface="Arial" panose="020B0604020202020204" pitchFamily="34" charset="0"/>
+              <a:buChar char="•"/>
+              <a:defRPr sz="1800" kern="1200">
+                <a:solidFill>
+                  <a:schemeClr val="tx1"/>
+                </a:solidFill>
+                <a:latin typeface="+mn-lt"/>
+                <a:ea typeface="+mn-ea"/>
+                <a:cs typeface="+mn-cs"/>
+              </a:defRPr>
+            </a:lvl6pPr>
+            <a:lvl7pPr marL="2971800" indent="-228600" algn="l" defTabSz="914400" rtl="0" eaLnBrk="1" latinLnBrk="0" hangingPunct="1">
+              <a:lnSpc>
+                <a:spcPct val="90000"/>
+              </a:lnSpc>
+              <a:spcBef>
+                <a:spcPts val="500"/>
+              </a:spcBef>
+              <a:buFont typeface="Arial" panose="020B0604020202020204" pitchFamily="34" charset="0"/>
+              <a:buChar char="•"/>
+              <a:defRPr sz="1800" kern="1200">
+                <a:solidFill>
+                  <a:schemeClr val="tx1"/>
+                </a:solidFill>
+                <a:latin typeface="+mn-lt"/>
+                <a:ea typeface="+mn-ea"/>
+                <a:cs typeface="+mn-cs"/>
+              </a:defRPr>
+            </a:lvl7pPr>
+            <a:lvl8pPr marL="3429000" indent="-228600" algn="l" defTabSz="914400" rtl="0" eaLnBrk="1" latinLnBrk="0" hangingPunct="1">
+              <a:lnSpc>
+                <a:spcPct val="90000"/>
+              </a:lnSpc>
+              <a:spcBef>
+                <a:spcPts val="500"/>
+              </a:spcBef>
+              <a:buFont typeface="Arial" panose="020B0604020202020204" pitchFamily="34" charset="0"/>
+              <a:buChar char="•"/>
+              <a:defRPr sz="1800" kern="1200">
+                <a:solidFill>
+                  <a:schemeClr val="tx1"/>
+                </a:solidFill>
+                <a:latin typeface="+mn-lt"/>
+                <a:ea typeface="+mn-ea"/>
+                <a:cs typeface="+mn-cs"/>
+              </a:defRPr>
+            </a:lvl8pPr>
+            <a:lvl9pPr marL="3886200" indent="-228600" algn="l" defTabSz="914400" rtl="0" eaLnBrk="1" latinLnBrk="0" hangingPunct="1">
+              <a:lnSpc>
+                <a:spcPct val="90000"/>
+              </a:lnSpc>
+              <a:spcBef>
+                <a:spcPts val="500"/>
+              </a:spcBef>
+              <a:buFont typeface="Arial" panose="020B0604020202020204" pitchFamily="34" charset="0"/>
+              <a:buChar char="•"/>
+              <a:defRPr sz="1800" kern="1200">
+                <a:solidFill>
+                  <a:schemeClr val="tx1"/>
+                </a:solidFill>
+                <a:latin typeface="+mn-lt"/>
+                <a:ea typeface="+mn-ea"/>
+                <a:cs typeface="+mn-cs"/>
+              </a:defRPr>
+            </a:lvl9pPr>
+          </a:lstStyle>
+          <a:p>
+            <a:pPr>
+              <a:lnSpc>
+                <a:spcPct val="120000"/>
+              </a:lnSpc>
+            </a:pPr>
+            <a:r>
+              <a:rPr lang="zh-CN" altLang="en-US" dirty="0"/>
+              <a:t>基于</a:t>
+            </a:r>
+            <a:r>
+              <a:rPr lang="en-US" altLang="zh-CN" dirty="0"/>
+              <a:t>Rust</a:t>
+            </a:r>
+            <a:r>
+              <a:rPr lang="zh-CN" altLang="en-US" dirty="0"/>
+              <a:t>的</a:t>
+            </a:r>
+            <a:r>
+              <a:rPr lang="en-US" altLang="zh-CN" dirty="0"/>
+              <a:t>DSL</a:t>
+            </a:r>
+            <a:r>
+              <a:rPr lang="zh-CN" altLang="en-US" dirty="0"/>
+              <a:t>对标前端</a:t>
+            </a:r>
+            <a:r>
+              <a:rPr lang="en-US" altLang="zh-CN" dirty="0"/>
+              <a:t>JS DSL</a:t>
+            </a:r>
+          </a:p>
+          <a:p>
+            <a:pPr lvl="1">
+              <a:lnSpc>
+                <a:spcPct val="120000"/>
+              </a:lnSpc>
+            </a:pPr>
+            <a:r>
+              <a:rPr lang="zh-CN" altLang="en-US" dirty="0"/>
+              <a:t>排版布局 </a:t>
+            </a:r>
+            <a:endParaRPr lang="en-US" altLang="zh-CN" dirty="0"/>
+          </a:p>
+          <a:p>
+            <a:pPr lvl="2">
+              <a:lnSpc>
+                <a:spcPct val="120000"/>
+              </a:lnSpc>
+            </a:pPr>
+            <a:r>
+              <a:rPr lang="en-US" altLang="zh-CN" dirty="0" err="1"/>
+              <a:t>Makepad</a:t>
+            </a:r>
+            <a:r>
+              <a:rPr lang="zh-CN" altLang="en-US" dirty="0"/>
+              <a:t> 的 </a:t>
+            </a:r>
+            <a:r>
+              <a:rPr lang="en-US" altLang="zh-CN" dirty="0"/>
+              <a:t>shader DSL</a:t>
+            </a:r>
+            <a:r>
+              <a:rPr lang="zh-CN" altLang="en-US" dirty="0"/>
+              <a:t>，兼容</a:t>
+            </a:r>
+            <a:r>
+              <a:rPr lang="en-US" altLang="zh-CN" dirty="0"/>
+              <a:t>CSS</a:t>
+            </a:r>
+            <a:r>
+              <a:rPr lang="zh-CN" altLang="en-US" dirty="0"/>
+              <a:t>，借鉴</a:t>
+            </a:r>
+            <a:r>
+              <a:rPr lang="en-US" altLang="zh-CN" dirty="0" err="1"/>
+              <a:t>sharder</a:t>
+            </a:r>
+            <a:r>
+              <a:rPr lang="en-US" altLang="zh-CN" dirty="0"/>
+              <a:t> DSL</a:t>
+            </a:r>
+            <a:r>
+              <a:rPr lang="zh-CN" altLang="en-US" dirty="0"/>
+              <a:t>，充分利用</a:t>
+            </a:r>
+            <a:r>
+              <a:rPr lang="en-US" altLang="zh-CN" dirty="0"/>
+              <a:t>GPU </a:t>
+            </a:r>
+            <a:r>
+              <a:rPr lang="zh-CN" altLang="en-US" dirty="0"/>
+              <a:t>（</a:t>
+            </a:r>
+            <a:r>
+              <a:rPr lang="en-US" altLang="zh-CN" dirty="0"/>
+              <a:t> https://github.com/makepad/makepad_docs/blob/main/Makepad%20Whitepaper%202020.pdf </a:t>
+            </a:r>
+            <a:r>
+              <a:rPr lang="zh-CN" altLang="en-US" dirty="0"/>
+              <a:t>）</a:t>
+            </a:r>
+            <a:endParaRPr lang="en-US" altLang="zh-CN" dirty="0"/>
+          </a:p>
+          <a:p>
+            <a:pPr lvl="1">
+              <a:lnSpc>
+                <a:spcPct val="120000"/>
+              </a:lnSpc>
+            </a:pPr>
+            <a:r>
+              <a:rPr lang="zh-CN" altLang="en-US" dirty="0"/>
+              <a:t>业务逻辑</a:t>
+            </a:r>
+            <a:endParaRPr lang="en-US" altLang="zh-CN" dirty="0"/>
+          </a:p>
+          <a:p>
+            <a:pPr lvl="2">
+              <a:lnSpc>
+                <a:spcPct val="120000"/>
+              </a:lnSpc>
+            </a:pPr>
+            <a:r>
+              <a:rPr lang="en-US" altLang="zh-CN" dirty="0"/>
+              <a:t>TS, JS compiler in Rust, https://github.com/swc-project/swc</a:t>
+            </a:r>
+          </a:p>
+          <a:p>
+            <a:pPr lvl="2">
+              <a:lnSpc>
+                <a:spcPct val="120000"/>
+              </a:lnSpc>
+            </a:pPr>
+            <a:r>
+              <a:rPr lang="zh-CN" altLang="en-US" dirty="0"/>
+              <a:t>通过</a:t>
+            </a:r>
+            <a:r>
+              <a:rPr lang="en-US" altLang="zh-CN" dirty="0"/>
+              <a:t>WASM</a:t>
+            </a:r>
+            <a:r>
+              <a:rPr lang="zh-CN" altLang="en-US" dirty="0"/>
+              <a:t>支持多种语言编写业务逻辑</a:t>
+            </a:r>
+            <a:endParaRPr lang="en-US" altLang="zh-CN" dirty="0"/>
+          </a:p>
+          <a:p>
+            <a:pPr lvl="1">
+              <a:lnSpc>
+                <a:spcPct val="120000"/>
+              </a:lnSpc>
+            </a:pPr>
+            <a:r>
+              <a:rPr lang="zh-CN" altLang="en-US" dirty="0"/>
+              <a:t>计算类型</a:t>
+            </a:r>
+            <a:endParaRPr lang="en-US" altLang="zh-CN" dirty="0"/>
+          </a:p>
+          <a:p>
+            <a:pPr lvl="2">
+              <a:lnSpc>
+                <a:spcPct val="120000"/>
+              </a:lnSpc>
+            </a:pPr>
+            <a:r>
+              <a:rPr lang="en-US" altLang="zh-CN" dirty="0"/>
+              <a:t>WASM</a:t>
+            </a:r>
+            <a:r>
+              <a:rPr lang="zh-CN" altLang="en-US" dirty="0"/>
+              <a:t>的能力库</a:t>
+            </a:r>
+            <a:endParaRPr lang="en-US" altLang="zh-CN" dirty="0"/>
+          </a:p>
+          <a:p>
+            <a:pPr lvl="1">
+              <a:lnSpc>
+                <a:spcPct val="120000"/>
+              </a:lnSpc>
+            </a:pPr>
+            <a:r>
+              <a:rPr lang="zh-CN" altLang="en-US" dirty="0"/>
+              <a:t>数据</a:t>
+            </a:r>
+            <a:r>
+              <a:rPr lang="en-US" altLang="zh-CN" dirty="0"/>
+              <a:t>ORM</a:t>
+            </a:r>
+          </a:p>
+          <a:p>
+            <a:pPr lvl="2">
+              <a:lnSpc>
+                <a:spcPct val="120000"/>
+              </a:lnSpc>
+            </a:pPr>
+            <a:r>
+              <a:rPr lang="zh-CN" altLang="en-US" dirty="0"/>
+              <a:t>支持</a:t>
+            </a:r>
+            <a:r>
+              <a:rPr lang="en-US" altLang="zh-CN" dirty="0" err="1"/>
+              <a:t>GraphQL</a:t>
+            </a:r>
+            <a:r>
+              <a:rPr lang="en-US" altLang="zh-CN" dirty="0"/>
+              <a:t> in Rust</a:t>
+            </a:r>
+          </a:p>
+          <a:p>
+            <a:pPr lvl="2"/>
+            <a:endParaRPr lang="en-US" dirty="0"/>
+          </a:p>
+        </p:txBody>
+      </p:sp>
+    </p:spTree>
+    <p:extLst>
+      <p:ext uri="{BB962C8B-B14F-4D97-AF65-F5344CB8AC3E}">
+        <p14:creationId xmlns:p14="http://schemas.microsoft.com/office/powerpoint/2010/main" val="2745937856"/>
+      </p:ext>
+    </p:extLst>
+  </p:cSld>
+  <p:clrMapOvr>
+    <a:masterClrMapping/>
+  </p:clrMapOvr>
+</p:sld>
+</file>
+
+<file path=ppt/slides/slide12.xml><?xml version="1.0" encoding="utf-8"?>
+<p:sld xmlns:a="http://schemas.openxmlformats.org/drawingml/2006/main" xmlns:r="http://schemas.openxmlformats.org/officeDocument/2006/relationships" xmlns:p="http://schemas.openxmlformats.org/presentationml/2006/main">
+  <p:cSld>
+    <p:spTree>
+      <p:nvGrpSpPr>
+        <p:cNvPr id="1" name=""/>
+        <p:cNvGrpSpPr/>
+        <p:nvPr/>
+      </p:nvGrpSpPr>
+      <p:grpSpPr>
+        <a:xfrm>
+          <a:off x="0" y="0"/>
+          <a:ext cx="0" cy="0"/>
+          <a:chOff x="0" y="0"/>
+          <a:chExt cx="0" cy="0"/>
+        </a:xfrm>
+      </p:grpSpPr>
+      <p:sp>
+        <p:nvSpPr>
+          <p:cNvPr id="2" name="Title 1">
+            <a:extLst>
+              <a:ext uri="{FF2B5EF4-FFF2-40B4-BE49-F238E27FC236}">
                 <a16:creationId xmlns:a16="http://schemas.microsoft.com/office/drawing/2014/main" id="{1AE4B4C9-2B57-4C0D-ADC5-BF6C004EBB86}"/>
               </a:ext>
             </a:extLst>
@@ -5297,7 +6578,7 @@
 </p:sld>
 </file>
 
-<file path=ppt/slides/slide11.xml><?xml version="1.0" encoding="utf-8"?>
+<file path=ppt/slides/slide13.xml><?xml version="1.0" encoding="utf-8"?>
 <p:sld xmlns:a="http://schemas.openxmlformats.org/drawingml/2006/main" xmlns:r="http://schemas.openxmlformats.org/officeDocument/2006/relationships" xmlns:p="http://schemas.openxmlformats.org/presentationml/2006/main">
   <p:cSld>
     <p:spTree>
@@ -5480,7 +6761,7 @@
 </p:sld>
 </file>
 
-<file path=ppt/slides/slide12.xml><?xml version="1.0" encoding="utf-8"?>
+<file path=ppt/slides/slide14.xml><?xml version="1.0" encoding="utf-8"?>
 <p:sld xmlns:a="http://schemas.openxmlformats.org/drawingml/2006/main" xmlns:r="http://schemas.openxmlformats.org/officeDocument/2006/relationships" xmlns:p="http://schemas.openxmlformats.org/presentationml/2006/main">
   <p:cSld>
     <p:spTree>
@@ -5706,7 +6987,7 @@
 </p:sld>
 </file>
 
-<file path=ppt/slides/slide13.xml><?xml version="1.0" encoding="utf-8"?>
+<file path=ppt/slides/slide15.xml><?xml version="1.0" encoding="utf-8"?>
 <p:sld xmlns:a="http://schemas.openxmlformats.org/drawingml/2006/main" xmlns:r="http://schemas.openxmlformats.org/officeDocument/2006/relationships" xmlns:p="http://schemas.openxmlformats.org/presentationml/2006/main">
   <p:cSld>
     <p:spTree>
@@ -5987,7 +7268,7 @@
 </p:sld>
 </file>
 
-<file path=ppt/slides/slide14.xml><?xml version="1.0" encoding="utf-8"?>
+<file path=ppt/slides/slide16.xml><?xml version="1.0" encoding="utf-8"?>
 <p:sld xmlns:a="http://schemas.openxmlformats.org/drawingml/2006/main" xmlns:r="http://schemas.openxmlformats.org/officeDocument/2006/relationships" xmlns:p="http://schemas.openxmlformats.org/presentationml/2006/main">
   <p:cSld>
     <p:spTree>
@@ -6242,7 +7523,7 @@
 </p:sld>
 </file>
 
-<file path=ppt/slides/slide15.xml><?xml version="1.0" encoding="utf-8"?>
+<file path=ppt/slides/slide17.xml><?xml version="1.0" encoding="utf-8"?>
 <p:sld xmlns:a="http://schemas.openxmlformats.org/drawingml/2006/main" xmlns:r="http://schemas.openxmlformats.org/officeDocument/2006/relationships" xmlns:p="http://schemas.openxmlformats.org/presentationml/2006/main">
   <p:cSld>
     <p:spTree>
@@ -6364,7 +7645,7 @@
 </p:sld>
 </file>
 
-<file path=ppt/slides/slide16.xml><?xml version="1.0" encoding="utf-8"?>
+<file path=ppt/slides/slide18.xml><?xml version="1.0" encoding="utf-8"?>
 <p:sld xmlns:a="http://schemas.openxmlformats.org/drawingml/2006/main" xmlns:r="http://schemas.openxmlformats.org/officeDocument/2006/relationships" xmlns:p="http://schemas.openxmlformats.org/presentationml/2006/main">
   <p:cSld>
     <p:spTree>
@@ -6630,7 +7911,7 @@
                 <a:pPr algn="ctr"/>
                 <a:r>
                   <a:rPr lang="en-US" sz="1100" dirty="0"/>
-                  <a:t>App Framework – MVPP </a:t>
+                  <a:t>App Framework – MVVM </a:t>
                 </a:r>
               </a:p>
             </p:txBody>
@@ -10534,7 +11815,7 @@
                 <a:pPr algn="ctr"/>
                 <a:r>
                   <a:rPr lang="en-US" sz="1000" dirty="0"/>
-                  <a:t>App Framework – MVPP </a:t>
+                  <a:t>App Framework – MVVM </a:t>
                 </a:r>
               </a:p>
             </p:txBody>
@@ -14779,7 +16060,7 @@
                 <a:pPr algn="ctr"/>
                 <a:r>
                   <a:rPr lang="en-US" sz="1000" dirty="0"/>
-                  <a:t>App Framework – MVPP </a:t>
+                  <a:t>App Framework – MVVM </a:t>
                 </a:r>
               </a:p>
             </p:txBody>
@@ -18930,7 +20211,7 @@
                 <a:pPr algn="ctr"/>
                 <a:r>
                   <a:rPr lang="en-US" sz="1000" dirty="0"/>
-                  <a:t>App Framework – MVPP </a:t>
+                  <a:t>App Framework – MVVM </a:t>
                 </a:r>
               </a:p>
             </p:txBody>
@@ -23031,7 +24312,7 @@
                 <a:pPr algn="ctr"/>
                 <a:r>
                   <a:rPr lang="en-US" sz="1000" dirty="0"/>
-                  <a:t>App Framework – MVPP </a:t>
+                  <a:t>App Framework – MVVM </a:t>
                 </a:r>
               </a:p>
             </p:txBody>
@@ -26994,6 +28275,1941 @@
           <p:cNvPr id="2" name="Title 1">
             <a:extLst>
               <a:ext uri="{FF2B5EF4-FFF2-40B4-BE49-F238E27FC236}">
+                <a16:creationId xmlns:a16="http://schemas.microsoft.com/office/drawing/2014/main" id="{8F654CB5-CEC2-4F53-9694-03EDBDA0616E}"/>
+              </a:ext>
+            </a:extLst>
+          </p:cNvPr>
+          <p:cNvSpPr>
+            <a:spLocks noGrp="1"/>
+          </p:cNvSpPr>
+          <p:nvPr>
+            <p:ph type="title"/>
+          </p:nvPr>
+        </p:nvSpPr>
+        <p:spPr/>
+        <p:txBody>
+          <a:bodyPr/>
+          <a:lstStyle/>
+          <a:p>
+            <a:r>
+              <a:rPr lang="en-US" dirty="0"/>
+              <a:t>Flutter </a:t>
+            </a:r>
+            <a:r>
+              <a:rPr lang="zh-CN" altLang="en-US" dirty="0"/>
+              <a:t>战略</a:t>
+            </a:r>
+            <a:endParaRPr lang="en-US" dirty="0"/>
+          </a:p>
+        </p:txBody>
+      </p:sp>
+      <p:sp>
+        <p:nvSpPr>
+          <p:cNvPr id="3" name="Content Placeholder 2">
+            <a:extLst>
+              <a:ext uri="{FF2B5EF4-FFF2-40B4-BE49-F238E27FC236}">
+                <a16:creationId xmlns:a16="http://schemas.microsoft.com/office/drawing/2014/main" id="{109B6336-4B78-4BAA-B03B-747CE33956A0}"/>
+              </a:ext>
+            </a:extLst>
+          </p:cNvPr>
+          <p:cNvSpPr>
+            <a:spLocks noGrp="1"/>
+          </p:cNvSpPr>
+          <p:nvPr>
+            <p:ph idx="1"/>
+          </p:nvPr>
+        </p:nvSpPr>
+        <p:spPr>
+          <a:xfrm>
+            <a:off x="326571" y="1825624"/>
+            <a:ext cx="6025775" cy="4803775"/>
+          </a:xfrm>
+        </p:spPr>
+        <p:txBody>
+          <a:bodyPr>
+            <a:normAutofit/>
+          </a:bodyPr>
+          <a:lstStyle/>
+          <a:p>
+            <a:pPr>
+              <a:lnSpc>
+                <a:spcPct val="110000"/>
+              </a:lnSpc>
+            </a:pPr>
+            <a:r>
+              <a:rPr lang="zh-CN" altLang="en-US" sz="1800" dirty="0"/>
+              <a:t>通过跨平台的</a:t>
+            </a:r>
+            <a:r>
+              <a:rPr lang="en-US" altLang="zh-CN" sz="1800" dirty="0" err="1"/>
+              <a:t>UIKit</a:t>
+            </a:r>
+            <a:r>
+              <a:rPr lang="en-US" altLang="zh-CN" sz="1800" dirty="0"/>
+              <a:t> </a:t>
+            </a:r>
+            <a:r>
+              <a:rPr lang="zh-CN" altLang="en-US" sz="1800" dirty="0"/>
+              <a:t>获取开发者，可以寄生在既有平台，也可以和</a:t>
+            </a:r>
+            <a:r>
+              <a:rPr lang="en-US" altLang="zh-CN" sz="1800" dirty="0" err="1"/>
+              <a:t>Fuschia</a:t>
+            </a:r>
+            <a:r>
+              <a:rPr lang="zh-CN" altLang="en-US" sz="1800" dirty="0"/>
+              <a:t>会师构成完整平台</a:t>
+            </a:r>
+            <a:endParaRPr lang="en-US" altLang="zh-CN" sz="1800" dirty="0"/>
+          </a:p>
+          <a:p>
+            <a:pPr lvl="1">
+              <a:lnSpc>
+                <a:spcPct val="110000"/>
+              </a:lnSpc>
+            </a:pPr>
+            <a:r>
+              <a:rPr lang="zh-CN" altLang="en-US" sz="1600" dirty="0"/>
+              <a:t>一套代码，跨平台部署</a:t>
+            </a:r>
+            <a:endParaRPr lang="en-US" altLang="zh-CN" sz="1600" dirty="0"/>
+          </a:p>
+          <a:p>
+            <a:pPr lvl="2">
+              <a:lnSpc>
+                <a:spcPct val="110000"/>
+              </a:lnSpc>
+            </a:pPr>
+            <a:r>
+              <a:rPr lang="en-US" altLang="zh-CN" sz="1400" dirty="0"/>
+              <a:t>iOS, Android, Web, </a:t>
+            </a:r>
+            <a:r>
+              <a:rPr lang="en-US" altLang="zh-CN" sz="1400" dirty="0" err="1"/>
+              <a:t>Fuschia</a:t>
+            </a:r>
+            <a:endParaRPr lang="en-US" altLang="zh-CN" sz="1400" dirty="0"/>
+          </a:p>
+          <a:p>
+            <a:pPr lvl="1">
+              <a:lnSpc>
+                <a:spcPct val="110000"/>
+              </a:lnSpc>
+            </a:pPr>
+            <a:r>
+              <a:rPr lang="zh-CN" altLang="en-US" sz="1600" dirty="0"/>
+              <a:t>原生</a:t>
+            </a:r>
+            <a:r>
+              <a:rPr lang="en-US" altLang="zh-CN" sz="1600" dirty="0"/>
+              <a:t>App</a:t>
+            </a:r>
+            <a:r>
+              <a:rPr lang="zh-CN" altLang="en-US" sz="1600" dirty="0"/>
+              <a:t>性能</a:t>
+            </a:r>
+            <a:endParaRPr lang="en-US" altLang="zh-CN" sz="1600" dirty="0"/>
+          </a:p>
+          <a:p>
+            <a:pPr lvl="2">
+              <a:lnSpc>
+                <a:spcPct val="110000"/>
+              </a:lnSpc>
+            </a:pPr>
+            <a:r>
+              <a:rPr lang="en-US" altLang="zh-CN" sz="1400" dirty="0" err="1"/>
+              <a:t>Skia</a:t>
+            </a:r>
+            <a:r>
+              <a:rPr lang="zh-CN" altLang="en-US" sz="1400" dirty="0"/>
+              <a:t>图形引擎和自绘原生支持</a:t>
+            </a:r>
+            <a:r>
+              <a:rPr lang="en-US" altLang="zh-CN" sz="1400" dirty="0"/>
+              <a:t>iOS</a:t>
+            </a:r>
+            <a:r>
+              <a:rPr lang="zh-CN" altLang="en-US" sz="1400" dirty="0"/>
+              <a:t>和</a:t>
+            </a:r>
+            <a:r>
+              <a:rPr lang="en-US" altLang="zh-CN" sz="1400" dirty="0" err="1"/>
+              <a:t>Andriod</a:t>
+            </a:r>
+            <a:r>
+              <a:rPr lang="zh-CN" altLang="en-US" sz="1400" dirty="0"/>
+              <a:t>的组件库，消除了底层使用</a:t>
+            </a:r>
+            <a:r>
+              <a:rPr lang="en-US" altLang="zh-CN" sz="1400" dirty="0" err="1"/>
+              <a:t>webview</a:t>
+            </a:r>
+            <a:r>
+              <a:rPr lang="zh-CN" altLang="en-US" sz="1400" dirty="0"/>
+              <a:t>等异构引擎的开销</a:t>
+            </a:r>
+            <a:endParaRPr lang="en-US" altLang="zh-CN" sz="1400" dirty="0"/>
+          </a:p>
+          <a:p>
+            <a:pPr lvl="2">
+              <a:lnSpc>
+                <a:spcPct val="110000"/>
+              </a:lnSpc>
+            </a:pPr>
+            <a:r>
+              <a:rPr lang="en-US" altLang="zh-CN" sz="1400" dirty="0"/>
+              <a:t>DART</a:t>
+            </a:r>
+            <a:r>
+              <a:rPr lang="zh-CN" altLang="en-US" sz="1400" dirty="0"/>
+              <a:t>用于引擎和用户侧语言，相比其他</a:t>
+            </a:r>
+            <a:r>
+              <a:rPr lang="en-US" altLang="zh-CN" sz="1400" dirty="0"/>
+              <a:t>hybrid</a:t>
+            </a:r>
+            <a:r>
+              <a:rPr lang="zh-CN" altLang="en-US" sz="1400" dirty="0"/>
+              <a:t>框架，降低数据</a:t>
+            </a:r>
+            <a:r>
+              <a:rPr lang="en-US" altLang="zh-CN" sz="1400" dirty="0"/>
+              <a:t>bridge</a:t>
+            </a:r>
+            <a:r>
+              <a:rPr lang="zh-CN" altLang="en-US" sz="1400" dirty="0"/>
+              <a:t>带来的开销</a:t>
+            </a:r>
+            <a:endParaRPr lang="en-US" altLang="zh-CN" sz="1400" dirty="0"/>
+          </a:p>
+          <a:p>
+            <a:pPr lvl="1">
+              <a:lnSpc>
+                <a:spcPct val="110000"/>
+              </a:lnSpc>
+            </a:pPr>
+            <a:r>
+              <a:rPr lang="en-US" altLang="zh-CN" sz="1600" dirty="0"/>
+              <a:t>DART</a:t>
+            </a:r>
+            <a:r>
+              <a:rPr lang="zh-CN" altLang="en-US" sz="1600" dirty="0"/>
+              <a:t>语言和平台适配层实现和底层平台的高性能集成</a:t>
+            </a:r>
+            <a:endParaRPr lang="en-US" altLang="zh-CN" sz="1600" dirty="0"/>
+          </a:p>
+          <a:p>
+            <a:pPr lvl="2">
+              <a:lnSpc>
+                <a:spcPct val="110000"/>
+              </a:lnSpc>
+            </a:pPr>
+            <a:r>
+              <a:rPr lang="en-US" altLang="zh-CN" sz="1400" dirty="0"/>
+              <a:t>DART</a:t>
+            </a:r>
+            <a:r>
+              <a:rPr lang="zh-CN" altLang="en-US" sz="1400" dirty="0"/>
+              <a:t>应用和平台适配层编译为支持</a:t>
+            </a:r>
+            <a:r>
+              <a:rPr lang="en-US" altLang="zh-CN" sz="1400" dirty="0"/>
+              <a:t>iOS</a:t>
+            </a:r>
+            <a:r>
+              <a:rPr lang="zh-CN" altLang="en-US" sz="1400" dirty="0"/>
+              <a:t>和</a:t>
+            </a:r>
+            <a:r>
+              <a:rPr lang="en-US" altLang="zh-CN" sz="1400" dirty="0"/>
+              <a:t>Android</a:t>
+            </a:r>
+            <a:r>
+              <a:rPr lang="zh-CN" altLang="en-US" sz="1400" dirty="0"/>
+              <a:t>的</a:t>
+            </a:r>
+            <a:r>
+              <a:rPr lang="en-US" altLang="zh-CN" sz="1400" dirty="0"/>
+              <a:t>C/C++ ABI</a:t>
+            </a:r>
+            <a:r>
+              <a:rPr lang="zh-CN" altLang="en-US" sz="1400" dirty="0"/>
+              <a:t>，</a:t>
+            </a:r>
+            <a:r>
+              <a:rPr lang="en-US" altLang="zh-CN" sz="1400" dirty="0"/>
+              <a:t>Flutter</a:t>
+            </a:r>
+            <a:r>
+              <a:rPr lang="zh-CN" altLang="en-US" sz="1400" dirty="0"/>
+              <a:t>作为</a:t>
+            </a:r>
+            <a:r>
+              <a:rPr lang="en-US" altLang="zh-CN" sz="1400" dirty="0"/>
+              <a:t>iOS/Android library</a:t>
+            </a:r>
+            <a:r>
+              <a:rPr lang="zh-CN" altLang="en-US" sz="1400" dirty="0"/>
+              <a:t>集成</a:t>
+            </a:r>
+            <a:endParaRPr lang="en-US" altLang="zh-CN" sz="1400" dirty="0"/>
+          </a:p>
+          <a:p>
+            <a:pPr>
+              <a:lnSpc>
+                <a:spcPct val="110000"/>
+              </a:lnSpc>
+            </a:pPr>
+            <a:r>
+              <a:rPr lang="en-US" altLang="zh-CN" sz="1800" dirty="0"/>
+              <a:t>DART</a:t>
+            </a:r>
+            <a:r>
+              <a:rPr lang="zh-CN" altLang="en-US" sz="1800" dirty="0"/>
+              <a:t>语言双模设计</a:t>
+            </a:r>
+            <a:endParaRPr lang="en-US" altLang="zh-CN" sz="1800" dirty="0"/>
+          </a:p>
+          <a:p>
+            <a:pPr lvl="1">
+              <a:lnSpc>
+                <a:spcPct val="110000"/>
+              </a:lnSpc>
+            </a:pPr>
+            <a:r>
+              <a:rPr lang="zh-CN" altLang="en-US" sz="1400" dirty="0"/>
+              <a:t>在开放阶段支持</a:t>
+            </a:r>
+            <a:r>
+              <a:rPr lang="en-US" altLang="zh-CN" sz="1400" dirty="0"/>
+              <a:t>JIT</a:t>
+            </a:r>
+            <a:r>
+              <a:rPr lang="zh-CN" altLang="en-US" sz="1400" dirty="0"/>
+              <a:t>模式，</a:t>
+            </a:r>
+            <a:r>
+              <a:rPr lang="en-US" altLang="zh-CN" sz="1400" dirty="0"/>
+              <a:t>hot reloading</a:t>
+            </a:r>
+            <a:r>
+              <a:rPr lang="zh-CN" altLang="en-US" sz="1400" dirty="0"/>
+              <a:t>，加快开放迭代速度</a:t>
+            </a:r>
+            <a:endParaRPr lang="en-US" altLang="zh-CN" sz="1400" dirty="0"/>
+          </a:p>
+          <a:p>
+            <a:pPr lvl="1">
+              <a:lnSpc>
+                <a:spcPct val="110000"/>
+              </a:lnSpc>
+            </a:pPr>
+            <a:r>
+              <a:rPr lang="zh-CN" altLang="en-US" sz="1400" dirty="0"/>
+              <a:t>在产品发布阶段支持</a:t>
+            </a:r>
+            <a:r>
+              <a:rPr lang="en-US" altLang="zh-CN" sz="1400" dirty="0"/>
+              <a:t>AOT</a:t>
+            </a:r>
+            <a:r>
+              <a:rPr lang="zh-CN" altLang="en-US" sz="1400" dirty="0"/>
+              <a:t>模式，提供性能和安全</a:t>
+            </a:r>
+            <a:endParaRPr lang="en-US" altLang="zh-CN" sz="1400" dirty="0"/>
+          </a:p>
+        </p:txBody>
+      </p:sp>
+      <p:pic>
+        <p:nvPicPr>
+          <p:cNvPr id="7170" name="Picture 2" descr="How is Flutter/Dart &quot;Transformed&quot; to a Native App?">
+            <a:extLst>
+              <a:ext uri="{FF2B5EF4-FFF2-40B4-BE49-F238E27FC236}">
+                <a16:creationId xmlns:a16="http://schemas.microsoft.com/office/drawing/2014/main" id="{29C32E20-039D-4BCB-B118-A923D0D703BE}"/>
+              </a:ext>
+            </a:extLst>
+          </p:cNvPr>
+          <p:cNvPicPr>
+            <a:picLocks noChangeAspect="1" noChangeArrowheads="1"/>
+          </p:cNvPicPr>
+          <p:nvPr/>
+        </p:nvPicPr>
+        <p:blipFill>
+          <a:blip r:embed="rId2">
+            <a:extLst>
+              <a:ext uri="{28A0092B-C50C-407E-A947-70E740481C1C}">
+                <a14:useLocalDpi xmlns:a14="http://schemas.microsoft.com/office/drawing/2010/main" val="0"/>
+              </a:ext>
+            </a:extLst>
+          </a:blip>
+          <a:srcRect/>
+          <a:stretch>
+            <a:fillRect/>
+          </a:stretch>
+        </p:blipFill>
+        <p:spPr bwMode="auto">
+          <a:xfrm>
+            <a:off x="6548290" y="3641272"/>
+            <a:ext cx="5721276" cy="3216728"/>
+          </a:xfrm>
+          <a:prstGeom prst="rect">
+            <a:avLst/>
+          </a:prstGeom>
+          <a:noFill/>
+          <a:extLst>
+            <a:ext uri="{909E8E84-426E-40DD-AFC4-6F175D3DCCD1}">
+              <a14:hiddenFill xmlns:a14="http://schemas.microsoft.com/office/drawing/2010/main">
+                <a:solidFill>
+                  <a:srgbClr val="FFFFFF"/>
+                </a:solidFill>
+              </a14:hiddenFill>
+            </a:ext>
+          </a:extLst>
+        </p:spPr>
+      </p:pic>
+      <p:pic>
+        <p:nvPicPr>
+          <p:cNvPr id="6" name="Picture 2" descr="Flutter architectural overview | Flutter">
+            <a:extLst>
+              <a:ext uri="{FF2B5EF4-FFF2-40B4-BE49-F238E27FC236}">
+                <a16:creationId xmlns:a16="http://schemas.microsoft.com/office/drawing/2014/main" id="{A21155B8-7582-4D86-BDDA-82306870268E}"/>
+              </a:ext>
+            </a:extLst>
+          </p:cNvPr>
+          <p:cNvPicPr>
+            <a:picLocks noChangeAspect="1" noChangeArrowheads="1"/>
+          </p:cNvPicPr>
+          <p:nvPr/>
+        </p:nvPicPr>
+        <p:blipFill>
+          <a:blip r:embed="rId3" cstate="print">
+            <a:extLst>
+              <a:ext uri="{28A0092B-C50C-407E-A947-70E740481C1C}">
+                <a14:useLocalDpi xmlns:a14="http://schemas.microsoft.com/office/drawing/2010/main" val="0"/>
+              </a:ext>
+            </a:extLst>
+          </a:blip>
+          <a:stretch>
+            <a:fillRect/>
+          </a:stretch>
+        </p:blipFill>
+        <p:spPr bwMode="auto">
+          <a:xfrm>
+            <a:off x="7326086" y="812838"/>
+            <a:ext cx="3624942" cy="2972453"/>
+          </a:xfrm>
+          <a:prstGeom prst="rect">
+            <a:avLst/>
+          </a:prstGeom>
+          <a:noFill/>
+          <a:extLst>
+            <a:ext uri="{909E8E84-426E-40DD-AFC4-6F175D3DCCD1}">
+              <a14:hiddenFill xmlns:a14="http://schemas.microsoft.com/office/drawing/2010/main">
+                <a:solidFill>
+                  <a:srgbClr val="FFFFFF"/>
+                </a:solidFill>
+              </a14:hiddenFill>
+            </a:ext>
+          </a:extLst>
+        </p:spPr>
+      </p:pic>
+    </p:spTree>
+    <p:extLst>
+      <p:ext uri="{BB962C8B-B14F-4D97-AF65-F5344CB8AC3E}">
+        <p14:creationId xmlns:p14="http://schemas.microsoft.com/office/powerpoint/2010/main" val="3911229488"/>
+      </p:ext>
+    </p:extLst>
+  </p:cSld>
+  <p:clrMapOvr>
+    <a:masterClrMapping/>
+  </p:clrMapOvr>
+</p:sld>
+</file>
+
+<file path=ppt/slides/slide8.xml><?xml version="1.0" encoding="utf-8"?>
+<p:sld xmlns:a="http://schemas.openxmlformats.org/drawingml/2006/main" xmlns:r="http://schemas.openxmlformats.org/officeDocument/2006/relationships" xmlns:p="http://schemas.openxmlformats.org/presentationml/2006/main">
+  <p:cSld>
+    <p:spTree>
+      <p:nvGrpSpPr>
+        <p:cNvPr id="1" name=""/>
+        <p:cNvGrpSpPr/>
+        <p:nvPr/>
+      </p:nvGrpSpPr>
+      <p:grpSpPr>
+        <a:xfrm>
+          <a:off x="0" y="0"/>
+          <a:ext cx="0" cy="0"/>
+          <a:chOff x="0" y="0"/>
+          <a:chExt cx="0" cy="0"/>
+        </a:xfrm>
+      </p:grpSpPr>
+      <p:sp>
+        <p:nvSpPr>
+          <p:cNvPr id="2" name="Title 1">
+            <a:extLst>
+              <a:ext uri="{FF2B5EF4-FFF2-40B4-BE49-F238E27FC236}">
+                <a16:creationId xmlns:a16="http://schemas.microsoft.com/office/drawing/2014/main" id="{9C3443A2-1779-4250-B093-345EB1D1D434}"/>
+              </a:ext>
+            </a:extLst>
+          </p:cNvPr>
+          <p:cNvSpPr>
+            <a:spLocks noGrp="1"/>
+          </p:cNvSpPr>
+          <p:nvPr>
+            <p:ph type="title"/>
+          </p:nvPr>
+        </p:nvSpPr>
+        <p:spPr/>
+        <p:txBody>
+          <a:bodyPr>
+            <a:normAutofit/>
+          </a:bodyPr>
+          <a:lstStyle/>
+          <a:p>
+            <a:r>
+              <a:rPr lang="en-US" altLang="zh-CN" sz="3600" dirty="0"/>
+              <a:t>HM</a:t>
+            </a:r>
+            <a:r>
+              <a:rPr lang="zh-CN" altLang="en-US" sz="3600" dirty="0"/>
+              <a:t> 战略，通过</a:t>
+            </a:r>
+            <a:r>
+              <a:rPr lang="en-US" altLang="zh-CN" sz="3600" dirty="0"/>
+              <a:t>WASM+</a:t>
+            </a:r>
+            <a:r>
+              <a:rPr lang="zh-CN" altLang="en-US" sz="3600" dirty="0"/>
+              <a:t>浏览器实现跨平台</a:t>
+            </a:r>
+            <a:endParaRPr lang="en-US" sz="3600" dirty="0"/>
+          </a:p>
+        </p:txBody>
+      </p:sp>
+      <p:sp>
+        <p:nvSpPr>
+          <p:cNvPr id="3" name="Content Placeholder 2">
+            <a:extLst>
+              <a:ext uri="{FF2B5EF4-FFF2-40B4-BE49-F238E27FC236}">
+                <a16:creationId xmlns:a16="http://schemas.microsoft.com/office/drawing/2014/main" id="{291BFE4D-F9BC-49F1-988A-473C8B04B6D5}"/>
+              </a:ext>
+            </a:extLst>
+          </p:cNvPr>
+          <p:cNvSpPr>
+            <a:spLocks noGrp="1"/>
+          </p:cNvSpPr>
+          <p:nvPr>
+            <p:ph idx="1"/>
+          </p:nvPr>
+        </p:nvSpPr>
+        <p:spPr>
+          <a:xfrm>
+            <a:off x="560615" y="1814286"/>
+            <a:ext cx="5105399" cy="4864100"/>
+          </a:xfrm>
+        </p:spPr>
+        <p:txBody>
+          <a:bodyPr>
+            <a:normAutofit fontScale="77500" lnSpcReduction="20000"/>
+          </a:bodyPr>
+          <a:lstStyle/>
+          <a:p>
+            <a:pPr>
+              <a:lnSpc>
+                <a:spcPct val="100000"/>
+              </a:lnSpc>
+            </a:pPr>
+            <a:r>
+              <a:rPr lang="zh-CN" altLang="en-US" sz="2400" dirty="0"/>
+              <a:t>构建</a:t>
+            </a:r>
+            <a:r>
+              <a:rPr lang="en-US" altLang="zh-CN" sz="2400" dirty="0"/>
+              <a:t>HM</a:t>
+            </a:r>
+            <a:r>
+              <a:rPr lang="zh-CN" altLang="en-US" sz="2400" dirty="0"/>
+              <a:t>跨平台</a:t>
+            </a:r>
+            <a:r>
+              <a:rPr lang="en-US" altLang="zh-CN" sz="2400" dirty="0" err="1"/>
+              <a:t>UIKit</a:t>
+            </a:r>
+            <a:r>
+              <a:rPr lang="zh-CN" altLang="en-US" sz="2400" dirty="0"/>
+              <a:t>层</a:t>
+            </a:r>
+            <a:endParaRPr lang="en-US" altLang="zh-CN" sz="2400" dirty="0"/>
+          </a:p>
+          <a:p>
+            <a:pPr lvl="1">
+              <a:lnSpc>
+                <a:spcPct val="100000"/>
+              </a:lnSpc>
+            </a:pPr>
+            <a:r>
+              <a:rPr lang="en-US" altLang="zh-CN" sz="2000" dirty="0"/>
+              <a:t>C/C++</a:t>
+            </a:r>
+            <a:r>
+              <a:rPr lang="zh-CN" altLang="en-US" sz="2000" dirty="0"/>
+              <a:t>，</a:t>
+            </a:r>
+            <a:r>
+              <a:rPr lang="en-US" altLang="zh-CN" sz="2000" dirty="0"/>
+              <a:t>Rust </a:t>
+            </a:r>
+            <a:r>
+              <a:rPr lang="zh-CN" altLang="en-US" sz="2000" dirty="0"/>
+              <a:t>的</a:t>
+            </a:r>
+            <a:r>
+              <a:rPr lang="en-US" altLang="zh-CN" sz="2000" dirty="0"/>
+              <a:t>UI library</a:t>
+            </a:r>
+            <a:r>
+              <a:rPr lang="zh-CN" altLang="en-US" sz="2000" dirty="0"/>
+              <a:t> </a:t>
+            </a:r>
+            <a:r>
+              <a:rPr lang="en-US" altLang="zh-CN" sz="2000" dirty="0"/>
+              <a:t>=》WASM</a:t>
+            </a:r>
+          </a:p>
+          <a:p>
+            <a:pPr lvl="1">
+              <a:lnSpc>
+                <a:spcPct val="100000"/>
+              </a:lnSpc>
+            </a:pPr>
+            <a:r>
+              <a:rPr lang="en-US" altLang="zh-CN" sz="2000" dirty="0" err="1"/>
+              <a:t>Skia</a:t>
+            </a:r>
+            <a:r>
+              <a:rPr lang="en-US" altLang="zh-CN" sz="2000" dirty="0"/>
+              <a:t> </a:t>
+            </a:r>
+            <a:r>
+              <a:rPr lang="zh-CN" altLang="en-US" sz="2000" dirty="0"/>
+              <a:t>已经可编译为</a:t>
+            </a:r>
+            <a:r>
+              <a:rPr lang="en-US" altLang="zh-CN" sz="2000" dirty="0"/>
+              <a:t>WASM </a:t>
+            </a:r>
+            <a:r>
+              <a:rPr lang="en-US" altLang="zh-CN" sz="2000" dirty="0" err="1"/>
+              <a:t>Canvaskit</a:t>
+            </a:r>
+            <a:endParaRPr lang="en-US" altLang="zh-CN" sz="2000" dirty="0"/>
+          </a:p>
+          <a:p>
+            <a:pPr>
+              <a:lnSpc>
+                <a:spcPct val="100000"/>
+              </a:lnSpc>
+            </a:pPr>
+            <a:r>
+              <a:rPr lang="en-US" altLang="zh-CN" sz="2400" dirty="0"/>
+              <a:t>WASM </a:t>
+            </a:r>
+            <a:r>
+              <a:rPr lang="zh-CN" altLang="en-US" sz="2400" dirty="0"/>
+              <a:t>编程语言</a:t>
+            </a:r>
+            <a:endParaRPr lang="en-US" altLang="zh-CN" sz="2400" dirty="0"/>
+          </a:p>
+          <a:p>
+            <a:pPr lvl="1">
+              <a:lnSpc>
+                <a:spcPct val="100000"/>
+              </a:lnSpc>
+            </a:pPr>
+            <a:r>
+              <a:rPr lang="en-US" altLang="zh-CN" sz="2000" dirty="0"/>
+              <a:t>C/C++, Rust</a:t>
+            </a:r>
+            <a:r>
+              <a:rPr lang="zh-CN" altLang="en-US" sz="2000" dirty="0"/>
+              <a:t>平滑编译为</a:t>
+            </a:r>
+            <a:r>
+              <a:rPr lang="en-US" altLang="zh-CN" sz="2000" dirty="0"/>
+              <a:t>WASM</a:t>
+            </a:r>
+            <a:r>
+              <a:rPr lang="zh-CN" altLang="en-US" sz="2000" dirty="0"/>
+              <a:t>，</a:t>
+            </a:r>
+            <a:r>
+              <a:rPr lang="en-US" altLang="zh-CN" sz="2000" dirty="0"/>
+              <a:t>WASM </a:t>
+            </a:r>
+            <a:r>
+              <a:rPr lang="en-US" altLang="zh-CN" sz="2000" dirty="0" err="1"/>
+              <a:t>UIKit</a:t>
+            </a:r>
+            <a:r>
+              <a:rPr lang="zh-CN" altLang="en-US" sz="2000" dirty="0"/>
+              <a:t>编译为</a:t>
+            </a:r>
+            <a:r>
+              <a:rPr lang="en-US" altLang="zh-CN" sz="2000" dirty="0"/>
+              <a:t>libraries</a:t>
+            </a:r>
+            <a:r>
+              <a:rPr lang="zh-CN" altLang="en-US" sz="2000" dirty="0"/>
+              <a:t>实现和</a:t>
+            </a:r>
+            <a:r>
+              <a:rPr lang="en-US" altLang="zh-CN" sz="2000" dirty="0"/>
+              <a:t>flutter</a:t>
+            </a:r>
+            <a:r>
+              <a:rPr lang="zh-CN" altLang="en-US" sz="2000" dirty="0"/>
+              <a:t>类似的和</a:t>
+            </a:r>
+            <a:r>
+              <a:rPr lang="en-US" altLang="zh-CN" sz="2000" dirty="0"/>
+              <a:t>iOS/Android</a:t>
+            </a:r>
+            <a:r>
+              <a:rPr lang="zh-CN" altLang="en-US" sz="2000" dirty="0"/>
+              <a:t>集成</a:t>
+            </a:r>
+            <a:endParaRPr lang="en-US" altLang="zh-CN" sz="2000" dirty="0"/>
+          </a:p>
+          <a:p>
+            <a:pPr lvl="1">
+              <a:lnSpc>
+                <a:spcPct val="100000"/>
+              </a:lnSpc>
+            </a:pPr>
+            <a:r>
+              <a:rPr lang="en-US" altLang="zh-CN" sz="2000" dirty="0"/>
+              <a:t>Interface type</a:t>
+            </a:r>
+            <a:r>
+              <a:rPr lang="zh-CN" altLang="en-US" sz="2000" dirty="0"/>
+              <a:t>提供多语言集成，用户态语言和</a:t>
+            </a:r>
+            <a:r>
+              <a:rPr lang="en-US" altLang="zh-CN" sz="2000" dirty="0" err="1"/>
+              <a:t>UIKit</a:t>
+            </a:r>
+            <a:r>
+              <a:rPr lang="zh-CN" altLang="en-US" sz="2000" dirty="0"/>
+              <a:t>公共</a:t>
+            </a:r>
+            <a:r>
+              <a:rPr lang="en-US" altLang="zh-CN" sz="2000" dirty="0"/>
+              <a:t>WASM</a:t>
+            </a:r>
+            <a:r>
+              <a:rPr lang="zh-CN" altLang="en-US" sz="2000" dirty="0"/>
+              <a:t>集成</a:t>
+            </a:r>
+            <a:endParaRPr lang="en-US" altLang="zh-CN" sz="2000" dirty="0"/>
+          </a:p>
+          <a:p>
+            <a:pPr lvl="1">
+              <a:lnSpc>
+                <a:spcPct val="100000"/>
+              </a:lnSpc>
+            </a:pPr>
+            <a:r>
+              <a:rPr lang="en-US" altLang="zh-CN" sz="2000" dirty="0"/>
+              <a:t>WASM</a:t>
+            </a:r>
+            <a:r>
+              <a:rPr lang="zh-CN" altLang="en-US" sz="2000" dirty="0"/>
+              <a:t> </a:t>
+            </a:r>
+            <a:r>
+              <a:rPr lang="en-US" altLang="zh-CN" sz="2000" dirty="0"/>
+              <a:t>sandbox</a:t>
+            </a:r>
+            <a:r>
+              <a:rPr lang="zh-CN" altLang="en-US" sz="2000" dirty="0"/>
+              <a:t>实现安全集成</a:t>
+            </a:r>
+            <a:endParaRPr lang="en-US" altLang="zh-CN" sz="2000" dirty="0"/>
+          </a:p>
+          <a:p>
+            <a:pPr>
+              <a:lnSpc>
+                <a:spcPct val="100000"/>
+              </a:lnSpc>
+            </a:pPr>
+            <a:r>
+              <a:rPr lang="zh-CN" altLang="en-US" sz="2400" dirty="0"/>
+              <a:t>基于</a:t>
+            </a:r>
+            <a:r>
+              <a:rPr lang="en-US" altLang="zh-CN" sz="2400" dirty="0"/>
+              <a:t>WASM</a:t>
+            </a:r>
+            <a:r>
+              <a:rPr lang="zh-CN" altLang="en-US" sz="2400" dirty="0"/>
+              <a:t>的平台适配层</a:t>
+            </a:r>
+            <a:endParaRPr lang="en-US" altLang="zh-CN" sz="2400" dirty="0"/>
+          </a:p>
+          <a:p>
+            <a:pPr lvl="1">
+              <a:lnSpc>
+                <a:spcPct val="100000"/>
+              </a:lnSpc>
+            </a:pPr>
+            <a:r>
+              <a:rPr lang="en-US" altLang="zh-CN" sz="2000" dirty="0"/>
+              <a:t>WASI </a:t>
+            </a:r>
+            <a:r>
+              <a:rPr lang="zh-CN" altLang="en-US" sz="2000" dirty="0"/>
+              <a:t>提供对</a:t>
+            </a:r>
+            <a:r>
+              <a:rPr lang="en-US" altLang="zh-CN" sz="2000" dirty="0"/>
+              <a:t>OS</a:t>
+            </a:r>
+            <a:r>
+              <a:rPr lang="zh-CN" altLang="en-US" sz="2000" dirty="0"/>
+              <a:t>的抽象</a:t>
+            </a:r>
+            <a:endParaRPr lang="en-US" altLang="zh-CN" sz="2000" dirty="0"/>
+          </a:p>
+          <a:p>
+            <a:pPr lvl="1">
+              <a:lnSpc>
+                <a:spcPct val="100000"/>
+              </a:lnSpc>
+            </a:pPr>
+            <a:r>
+              <a:rPr lang="en-US" altLang="zh-CN" sz="2000" dirty="0"/>
+              <a:t>WASM AOT =》</a:t>
+            </a:r>
+            <a:r>
+              <a:rPr lang="zh-CN" altLang="en-US" sz="2000" dirty="0"/>
+              <a:t>平台</a:t>
+            </a:r>
+            <a:r>
+              <a:rPr lang="en-US" altLang="zh-CN" sz="2000" dirty="0"/>
+              <a:t>Library</a:t>
+            </a:r>
+          </a:p>
+          <a:p>
+            <a:pPr>
+              <a:lnSpc>
+                <a:spcPct val="100000"/>
+              </a:lnSpc>
+            </a:pPr>
+            <a:r>
+              <a:rPr lang="en-US" altLang="zh-CN" sz="2400" dirty="0"/>
+              <a:t>WASM vs DART</a:t>
+            </a:r>
+          </a:p>
+          <a:p>
+            <a:pPr lvl="1">
+              <a:lnSpc>
+                <a:spcPct val="100000"/>
+              </a:lnSpc>
+            </a:pPr>
+            <a:r>
+              <a:rPr lang="en-US" altLang="zh-CN" sz="2000" dirty="0"/>
+              <a:t>WASM</a:t>
+            </a:r>
+            <a:r>
+              <a:rPr lang="zh-CN" altLang="en-US" sz="2000" dirty="0"/>
+              <a:t>支持多语言集成</a:t>
+            </a:r>
+            <a:endParaRPr lang="en-US" altLang="zh-CN" sz="2000" dirty="0"/>
+          </a:p>
+          <a:p>
+            <a:pPr lvl="1">
+              <a:lnSpc>
+                <a:spcPct val="100000"/>
+              </a:lnSpc>
+            </a:pPr>
+            <a:r>
+              <a:rPr lang="en-US" altLang="zh-CN" sz="2000" dirty="0"/>
+              <a:t>WASM</a:t>
+            </a:r>
+            <a:r>
+              <a:rPr lang="zh-CN" altLang="en-US" sz="2000" dirty="0"/>
+              <a:t>没有开发者的</a:t>
+            </a:r>
+            <a:r>
+              <a:rPr lang="en-US" altLang="zh-CN" sz="2000" dirty="0"/>
+              <a:t>learning curve</a:t>
+            </a:r>
+          </a:p>
+          <a:p>
+            <a:pPr lvl="1">
+              <a:lnSpc>
+                <a:spcPct val="100000"/>
+              </a:lnSpc>
+            </a:pPr>
+            <a:r>
+              <a:rPr lang="zh-CN" altLang="en-US" sz="2000" dirty="0"/>
+              <a:t>提供和</a:t>
+            </a:r>
+            <a:r>
+              <a:rPr lang="en-US" altLang="zh-CN" sz="2000" dirty="0"/>
+              <a:t>DART</a:t>
+            </a:r>
+            <a:r>
+              <a:rPr lang="zh-CN" altLang="en-US" sz="2000" dirty="0"/>
+              <a:t>一样的</a:t>
+            </a:r>
+            <a:r>
+              <a:rPr lang="en-US" altLang="zh-CN" sz="2000" dirty="0"/>
+              <a:t>JIT</a:t>
+            </a:r>
+            <a:r>
+              <a:rPr lang="zh-CN" altLang="en-US" sz="2000" dirty="0"/>
+              <a:t>和</a:t>
+            </a:r>
+            <a:r>
+              <a:rPr lang="en-US" altLang="zh-CN" sz="2000" dirty="0"/>
+              <a:t>AOT</a:t>
+            </a:r>
+          </a:p>
+          <a:p>
+            <a:pPr lvl="1">
+              <a:lnSpc>
+                <a:spcPct val="100000"/>
+              </a:lnSpc>
+            </a:pPr>
+            <a:r>
+              <a:rPr lang="en-US" altLang="zh-CN" sz="2000" dirty="0"/>
+              <a:t>WASM AOT </a:t>
+            </a:r>
+            <a:r>
+              <a:rPr lang="zh-CN" altLang="en-US" sz="2000"/>
+              <a:t>性能存在安全带来的性能代价</a:t>
+            </a:r>
+            <a:endParaRPr lang="en-US" sz="2000" dirty="0"/>
+          </a:p>
+        </p:txBody>
+      </p:sp>
+      <p:grpSp>
+        <p:nvGrpSpPr>
+          <p:cNvPr id="8" name="Group 7">
+            <a:extLst>
+              <a:ext uri="{FF2B5EF4-FFF2-40B4-BE49-F238E27FC236}">
+                <a16:creationId xmlns:a16="http://schemas.microsoft.com/office/drawing/2014/main" id="{2D4FC242-BD4A-4B84-B8E4-B481B39E13EA}"/>
+              </a:ext>
+            </a:extLst>
+          </p:cNvPr>
+          <p:cNvGrpSpPr/>
+          <p:nvPr/>
+        </p:nvGrpSpPr>
+        <p:grpSpPr>
+          <a:xfrm>
+            <a:off x="5959928" y="4631870"/>
+            <a:ext cx="2764972" cy="1611086"/>
+            <a:chOff x="6210299" y="4103913"/>
+            <a:chExt cx="3336472" cy="1730829"/>
+          </a:xfrm>
+        </p:grpSpPr>
+        <p:sp>
+          <p:nvSpPr>
+            <p:cNvPr id="5" name="Rectangle 4">
+              <a:extLst>
+                <a:ext uri="{FF2B5EF4-FFF2-40B4-BE49-F238E27FC236}">
+                  <a16:creationId xmlns:a16="http://schemas.microsoft.com/office/drawing/2014/main" id="{FC3341C0-185C-4485-9BA6-D927212F260F}"/>
+                </a:ext>
+              </a:extLst>
+            </p:cNvPr>
+            <p:cNvSpPr/>
+            <p:nvPr/>
+          </p:nvSpPr>
+          <p:spPr>
+            <a:xfrm>
+              <a:off x="6210300" y="5290456"/>
+              <a:ext cx="3336471" cy="544286"/>
+            </a:xfrm>
+            <a:prstGeom prst="rect">
+              <a:avLst/>
+            </a:prstGeom>
+          </p:spPr>
+          <p:style>
+            <a:lnRef idx="2">
+              <a:schemeClr val="accent1">
+                <a:shade val="50000"/>
+              </a:schemeClr>
+            </a:lnRef>
+            <a:fillRef idx="1">
+              <a:schemeClr val="accent1"/>
+            </a:fillRef>
+            <a:effectRef idx="0">
+              <a:schemeClr val="accent1"/>
+            </a:effectRef>
+            <a:fontRef idx="minor">
+              <a:schemeClr val="lt1"/>
+            </a:fontRef>
+          </p:style>
+          <p:txBody>
+            <a:bodyPr rtlCol="0" anchor="ctr"/>
+            <a:lstStyle/>
+            <a:p>
+              <a:pPr algn="ctr"/>
+              <a:r>
+                <a:rPr lang="en-US" dirty="0"/>
+                <a:t>Browser</a:t>
+              </a:r>
+            </a:p>
+          </p:txBody>
+        </p:sp>
+        <p:sp>
+          <p:nvSpPr>
+            <p:cNvPr id="6" name="Rectangle 5">
+              <a:extLst>
+                <a:ext uri="{FF2B5EF4-FFF2-40B4-BE49-F238E27FC236}">
+                  <a16:creationId xmlns:a16="http://schemas.microsoft.com/office/drawing/2014/main" id="{DD56A210-8510-41C2-9E09-EDA1E2BC5ADF}"/>
+                </a:ext>
+              </a:extLst>
+            </p:cNvPr>
+            <p:cNvSpPr/>
+            <p:nvPr/>
+          </p:nvSpPr>
+          <p:spPr>
+            <a:xfrm>
+              <a:off x="6210300" y="4697185"/>
+              <a:ext cx="3336471" cy="544286"/>
+            </a:xfrm>
+            <a:prstGeom prst="rect">
+              <a:avLst/>
+            </a:prstGeom>
+          </p:spPr>
+          <p:style>
+            <a:lnRef idx="2">
+              <a:schemeClr val="accent1">
+                <a:shade val="50000"/>
+              </a:schemeClr>
+            </a:lnRef>
+            <a:fillRef idx="1">
+              <a:schemeClr val="accent1"/>
+            </a:fillRef>
+            <a:effectRef idx="0">
+              <a:schemeClr val="accent1"/>
+            </a:effectRef>
+            <a:fontRef idx="minor">
+              <a:schemeClr val="lt1"/>
+            </a:fontRef>
+          </p:style>
+          <p:txBody>
+            <a:bodyPr rtlCol="0" anchor="ctr"/>
+            <a:lstStyle/>
+            <a:p>
+              <a:pPr algn="ctr"/>
+              <a:r>
+                <a:rPr lang="en-US" dirty="0"/>
+                <a:t>Web Capability APIs</a:t>
+              </a:r>
+            </a:p>
+          </p:txBody>
+        </p:sp>
+        <p:sp>
+          <p:nvSpPr>
+            <p:cNvPr id="7" name="Rectangle 6">
+              <a:extLst>
+                <a:ext uri="{FF2B5EF4-FFF2-40B4-BE49-F238E27FC236}">
+                  <a16:creationId xmlns:a16="http://schemas.microsoft.com/office/drawing/2014/main" id="{24B5BD91-E759-47E2-97B3-BE57328E2B22}"/>
+                </a:ext>
+              </a:extLst>
+            </p:cNvPr>
+            <p:cNvSpPr/>
+            <p:nvPr/>
+          </p:nvSpPr>
+          <p:spPr>
+            <a:xfrm>
+              <a:off x="6210299" y="4103913"/>
+              <a:ext cx="3336471" cy="544286"/>
+            </a:xfrm>
+            <a:prstGeom prst="rect">
+              <a:avLst/>
+            </a:prstGeom>
+          </p:spPr>
+          <p:style>
+            <a:lnRef idx="2">
+              <a:schemeClr val="accent1">
+                <a:shade val="50000"/>
+              </a:schemeClr>
+            </a:lnRef>
+            <a:fillRef idx="1">
+              <a:schemeClr val="accent1"/>
+            </a:fillRef>
+            <a:effectRef idx="0">
+              <a:schemeClr val="accent1"/>
+            </a:effectRef>
+            <a:fontRef idx="minor">
+              <a:schemeClr val="lt1"/>
+            </a:fontRef>
+          </p:style>
+          <p:txBody>
+            <a:bodyPr rtlCol="0" anchor="ctr"/>
+            <a:lstStyle/>
+            <a:p>
+              <a:pPr algn="ctr"/>
+              <a:r>
+                <a:rPr lang="en-US" altLang="zh-CN" dirty="0"/>
+                <a:t>WASM+JS JIT Compiler</a:t>
+              </a:r>
+              <a:endParaRPr lang="en-US" dirty="0"/>
+            </a:p>
+          </p:txBody>
+        </p:sp>
+      </p:grpSp>
+      <p:grpSp>
+        <p:nvGrpSpPr>
+          <p:cNvPr id="9" name="Group 8">
+            <a:extLst>
+              <a:ext uri="{FF2B5EF4-FFF2-40B4-BE49-F238E27FC236}">
+                <a16:creationId xmlns:a16="http://schemas.microsoft.com/office/drawing/2014/main" id="{6B2840C9-4CC6-44FB-AAD4-501BE806C271}"/>
+              </a:ext>
+            </a:extLst>
+          </p:cNvPr>
+          <p:cNvGrpSpPr/>
+          <p:nvPr/>
+        </p:nvGrpSpPr>
+        <p:grpSpPr>
+          <a:xfrm>
+            <a:off x="8822871" y="4631870"/>
+            <a:ext cx="2764972" cy="1611086"/>
+            <a:chOff x="6210299" y="4103913"/>
+            <a:chExt cx="3336472" cy="1730829"/>
+          </a:xfrm>
+        </p:grpSpPr>
+        <p:sp>
+          <p:nvSpPr>
+            <p:cNvPr id="10" name="Rectangle 9">
+              <a:extLst>
+                <a:ext uri="{FF2B5EF4-FFF2-40B4-BE49-F238E27FC236}">
+                  <a16:creationId xmlns:a16="http://schemas.microsoft.com/office/drawing/2014/main" id="{117A7BCE-456F-41C4-9E3A-05F156B3026F}"/>
+                </a:ext>
+              </a:extLst>
+            </p:cNvPr>
+            <p:cNvSpPr/>
+            <p:nvPr/>
+          </p:nvSpPr>
+          <p:spPr>
+            <a:xfrm>
+              <a:off x="6210300" y="5290456"/>
+              <a:ext cx="3336471" cy="544286"/>
+            </a:xfrm>
+            <a:prstGeom prst="rect">
+              <a:avLst/>
+            </a:prstGeom>
+          </p:spPr>
+          <p:style>
+            <a:lnRef idx="2">
+              <a:schemeClr val="accent1">
+                <a:shade val="50000"/>
+              </a:schemeClr>
+            </a:lnRef>
+            <a:fillRef idx="1">
+              <a:schemeClr val="accent1"/>
+            </a:fillRef>
+            <a:effectRef idx="0">
+              <a:schemeClr val="accent1"/>
+            </a:effectRef>
+            <a:fontRef idx="minor">
+              <a:schemeClr val="lt1"/>
+            </a:fontRef>
+          </p:style>
+          <p:txBody>
+            <a:bodyPr rtlCol="0" anchor="ctr"/>
+            <a:lstStyle/>
+            <a:p>
+              <a:pPr algn="ctr"/>
+              <a:r>
+                <a:rPr lang="en-US" dirty="0"/>
+                <a:t>Android/iOS</a:t>
+              </a:r>
+            </a:p>
+          </p:txBody>
+        </p:sp>
+        <p:sp>
+          <p:nvSpPr>
+            <p:cNvPr id="11" name="Rectangle 10">
+              <a:extLst>
+                <a:ext uri="{FF2B5EF4-FFF2-40B4-BE49-F238E27FC236}">
+                  <a16:creationId xmlns:a16="http://schemas.microsoft.com/office/drawing/2014/main" id="{F166B720-7E30-4C32-8246-A32EDAE712B2}"/>
+                </a:ext>
+              </a:extLst>
+            </p:cNvPr>
+            <p:cNvSpPr/>
+            <p:nvPr/>
+          </p:nvSpPr>
+          <p:spPr>
+            <a:xfrm>
+              <a:off x="6210300" y="4697185"/>
+              <a:ext cx="3336471" cy="544286"/>
+            </a:xfrm>
+            <a:prstGeom prst="rect">
+              <a:avLst/>
+            </a:prstGeom>
+          </p:spPr>
+          <p:style>
+            <a:lnRef idx="2">
+              <a:schemeClr val="accent1">
+                <a:shade val="50000"/>
+              </a:schemeClr>
+            </a:lnRef>
+            <a:fillRef idx="1">
+              <a:schemeClr val="accent1"/>
+            </a:fillRef>
+            <a:effectRef idx="0">
+              <a:schemeClr val="accent1"/>
+            </a:effectRef>
+            <a:fontRef idx="minor">
+              <a:schemeClr val="lt1"/>
+            </a:fontRef>
+          </p:style>
+          <p:txBody>
+            <a:bodyPr rtlCol="0" anchor="ctr"/>
+            <a:lstStyle/>
+            <a:p>
+              <a:pPr algn="ctr"/>
+              <a:r>
+                <a:rPr lang="en-US" dirty="0"/>
+                <a:t>OS Capability APIs</a:t>
+              </a:r>
+            </a:p>
+          </p:txBody>
+        </p:sp>
+        <p:sp>
+          <p:nvSpPr>
+            <p:cNvPr id="12" name="Rectangle 11">
+              <a:extLst>
+                <a:ext uri="{FF2B5EF4-FFF2-40B4-BE49-F238E27FC236}">
+                  <a16:creationId xmlns:a16="http://schemas.microsoft.com/office/drawing/2014/main" id="{E99983FF-FB0F-4D93-841C-B70D47FFF8AB}"/>
+                </a:ext>
+              </a:extLst>
+            </p:cNvPr>
+            <p:cNvSpPr/>
+            <p:nvPr/>
+          </p:nvSpPr>
+          <p:spPr>
+            <a:xfrm>
+              <a:off x="6210299" y="4103913"/>
+              <a:ext cx="3336471" cy="544286"/>
+            </a:xfrm>
+            <a:prstGeom prst="rect">
+              <a:avLst/>
+            </a:prstGeom>
+          </p:spPr>
+          <p:style>
+            <a:lnRef idx="2">
+              <a:schemeClr val="accent1">
+                <a:shade val="50000"/>
+              </a:schemeClr>
+            </a:lnRef>
+            <a:fillRef idx="1">
+              <a:schemeClr val="accent1"/>
+            </a:fillRef>
+            <a:effectRef idx="0">
+              <a:schemeClr val="accent1"/>
+            </a:effectRef>
+            <a:fontRef idx="minor">
+              <a:schemeClr val="lt1"/>
+            </a:fontRef>
+          </p:style>
+          <p:txBody>
+            <a:bodyPr rtlCol="0" anchor="ctr"/>
+            <a:lstStyle/>
+            <a:p>
+              <a:pPr algn="ctr"/>
+              <a:r>
+                <a:rPr lang="en-US" altLang="zh-CN" dirty="0"/>
+                <a:t>WASM AOT Runtime</a:t>
+              </a:r>
+              <a:endParaRPr lang="en-US" dirty="0"/>
+            </a:p>
+          </p:txBody>
+        </p:sp>
+      </p:grpSp>
+      <p:sp>
+        <p:nvSpPr>
+          <p:cNvPr id="13" name="Rectangle 12">
+            <a:extLst>
+              <a:ext uri="{FF2B5EF4-FFF2-40B4-BE49-F238E27FC236}">
+                <a16:creationId xmlns:a16="http://schemas.microsoft.com/office/drawing/2014/main" id="{BF9A5B50-5153-4EA7-B9D6-0095CBB7D0EB}"/>
+              </a:ext>
+            </a:extLst>
+          </p:cNvPr>
+          <p:cNvSpPr/>
+          <p:nvPr/>
+        </p:nvSpPr>
+        <p:spPr>
+          <a:xfrm>
+            <a:off x="5959927" y="4078169"/>
+            <a:ext cx="5627915" cy="506631"/>
+          </a:xfrm>
+          <a:prstGeom prst="rect">
+            <a:avLst/>
+          </a:prstGeom>
+        </p:spPr>
+        <p:style>
+          <a:lnRef idx="2">
+            <a:schemeClr val="accent1">
+              <a:shade val="50000"/>
+            </a:schemeClr>
+          </a:lnRef>
+          <a:fillRef idx="1">
+            <a:schemeClr val="accent1"/>
+          </a:fillRef>
+          <a:effectRef idx="0">
+            <a:schemeClr val="accent1"/>
+          </a:effectRef>
+          <a:fontRef idx="minor">
+            <a:schemeClr val="lt1"/>
+          </a:fontRef>
+        </p:style>
+        <p:txBody>
+          <a:bodyPr rtlCol="0" anchor="ctr"/>
+          <a:lstStyle/>
+          <a:p>
+            <a:pPr algn="ctr"/>
+            <a:r>
+              <a:rPr lang="en-US" altLang="zh-CN" dirty="0"/>
+              <a:t>HM </a:t>
+            </a:r>
+            <a:r>
+              <a:rPr lang="en-US" altLang="zh-CN" dirty="0" err="1"/>
+              <a:t>UIKit</a:t>
+            </a:r>
+            <a:r>
+              <a:rPr lang="en-US" altLang="zh-CN" dirty="0"/>
+              <a:t> Engine</a:t>
+            </a:r>
+            <a:endParaRPr lang="en-US" dirty="0"/>
+          </a:p>
+        </p:txBody>
+      </p:sp>
+      <p:sp>
+        <p:nvSpPr>
+          <p:cNvPr id="14" name="Rectangle 13">
+            <a:extLst>
+              <a:ext uri="{FF2B5EF4-FFF2-40B4-BE49-F238E27FC236}">
+                <a16:creationId xmlns:a16="http://schemas.microsoft.com/office/drawing/2014/main" id="{1C90521A-23F8-437B-8CDA-BA1373ED1F47}"/>
+              </a:ext>
+            </a:extLst>
+          </p:cNvPr>
+          <p:cNvSpPr/>
+          <p:nvPr/>
+        </p:nvSpPr>
+        <p:spPr>
+          <a:xfrm>
+            <a:off x="5959927" y="3525205"/>
+            <a:ext cx="5627915" cy="506631"/>
+          </a:xfrm>
+          <a:prstGeom prst="rect">
+            <a:avLst/>
+          </a:prstGeom>
+        </p:spPr>
+        <p:style>
+          <a:lnRef idx="2">
+            <a:schemeClr val="accent1">
+              <a:shade val="50000"/>
+            </a:schemeClr>
+          </a:lnRef>
+          <a:fillRef idx="1">
+            <a:schemeClr val="accent1"/>
+          </a:fillRef>
+          <a:effectRef idx="0">
+            <a:schemeClr val="accent1"/>
+          </a:effectRef>
+          <a:fontRef idx="minor">
+            <a:schemeClr val="lt1"/>
+          </a:fontRef>
+        </p:style>
+        <p:txBody>
+          <a:bodyPr rtlCol="0" anchor="ctr"/>
+          <a:lstStyle/>
+          <a:p>
+            <a:pPr algn="ctr"/>
+            <a:r>
+              <a:rPr lang="en-US" altLang="zh-CN" dirty="0"/>
+              <a:t>HMS APIs/Function Embeddings</a:t>
+            </a:r>
+            <a:endParaRPr lang="en-US" dirty="0"/>
+          </a:p>
+        </p:txBody>
+      </p:sp>
+      <p:sp>
+        <p:nvSpPr>
+          <p:cNvPr id="15" name="Rectangle 14">
+            <a:extLst>
+              <a:ext uri="{FF2B5EF4-FFF2-40B4-BE49-F238E27FC236}">
+                <a16:creationId xmlns:a16="http://schemas.microsoft.com/office/drawing/2014/main" id="{F0012055-E3F7-407E-9CBE-E0973AB6849E}"/>
+              </a:ext>
+            </a:extLst>
+          </p:cNvPr>
+          <p:cNvSpPr/>
+          <p:nvPr/>
+        </p:nvSpPr>
+        <p:spPr>
+          <a:xfrm>
+            <a:off x="5959927" y="2972240"/>
+            <a:ext cx="2721431" cy="506631"/>
+          </a:xfrm>
+          <a:prstGeom prst="rect">
+            <a:avLst/>
+          </a:prstGeom>
+        </p:spPr>
+        <p:style>
+          <a:lnRef idx="2">
+            <a:schemeClr val="accent1">
+              <a:shade val="50000"/>
+            </a:schemeClr>
+          </a:lnRef>
+          <a:fillRef idx="1">
+            <a:schemeClr val="accent1"/>
+          </a:fillRef>
+          <a:effectRef idx="0">
+            <a:schemeClr val="accent1"/>
+          </a:effectRef>
+          <a:fontRef idx="minor">
+            <a:schemeClr val="lt1"/>
+          </a:fontRef>
+        </p:style>
+        <p:txBody>
+          <a:bodyPr rtlCol="0" anchor="ctr"/>
+          <a:lstStyle/>
+          <a:p>
+            <a:pPr algn="ctr"/>
+            <a:r>
+              <a:rPr lang="en-US" altLang="zh-CN" dirty="0"/>
+              <a:t>JS: RN, VUE</a:t>
+            </a:r>
+            <a:endParaRPr lang="en-US" dirty="0"/>
+          </a:p>
+        </p:txBody>
+      </p:sp>
+      <p:sp>
+        <p:nvSpPr>
+          <p:cNvPr id="16" name="Rectangle 15">
+            <a:extLst>
+              <a:ext uri="{FF2B5EF4-FFF2-40B4-BE49-F238E27FC236}">
+                <a16:creationId xmlns:a16="http://schemas.microsoft.com/office/drawing/2014/main" id="{71EB389E-8713-448D-87EA-0E2E2299C20B}"/>
+              </a:ext>
+            </a:extLst>
+          </p:cNvPr>
+          <p:cNvSpPr/>
+          <p:nvPr/>
+        </p:nvSpPr>
+        <p:spPr>
+          <a:xfrm>
+            <a:off x="8822871" y="2972240"/>
+            <a:ext cx="2721431" cy="506631"/>
+          </a:xfrm>
+          <a:prstGeom prst="rect">
+            <a:avLst/>
+          </a:prstGeom>
+        </p:spPr>
+        <p:style>
+          <a:lnRef idx="2">
+            <a:schemeClr val="accent1">
+              <a:shade val="50000"/>
+            </a:schemeClr>
+          </a:lnRef>
+          <a:fillRef idx="1">
+            <a:schemeClr val="accent1"/>
+          </a:fillRef>
+          <a:effectRef idx="0">
+            <a:schemeClr val="accent1"/>
+          </a:effectRef>
+          <a:fontRef idx="minor">
+            <a:schemeClr val="lt1"/>
+          </a:fontRef>
+        </p:style>
+        <p:txBody>
+          <a:bodyPr rtlCol="0" anchor="ctr"/>
+          <a:lstStyle/>
+          <a:p>
+            <a:pPr algn="ctr"/>
+            <a:r>
+              <a:rPr lang="en-US" dirty="0"/>
+              <a:t>Rust, C/C++ frameworks</a:t>
+            </a:r>
+          </a:p>
+        </p:txBody>
+      </p:sp>
+      <p:grpSp>
+        <p:nvGrpSpPr>
+          <p:cNvPr id="21" name="Group 20">
+            <a:extLst>
+              <a:ext uri="{FF2B5EF4-FFF2-40B4-BE49-F238E27FC236}">
+                <a16:creationId xmlns:a16="http://schemas.microsoft.com/office/drawing/2014/main" id="{5644F6B7-A131-4F99-9B4E-CCFF17B1D643}"/>
+              </a:ext>
+            </a:extLst>
+          </p:cNvPr>
+          <p:cNvGrpSpPr/>
+          <p:nvPr/>
+        </p:nvGrpSpPr>
+        <p:grpSpPr>
+          <a:xfrm>
+            <a:off x="5959927" y="2418538"/>
+            <a:ext cx="2721431" cy="514288"/>
+            <a:chOff x="5959927" y="2418538"/>
+            <a:chExt cx="4152901" cy="514288"/>
+          </a:xfrm>
+        </p:grpSpPr>
+        <p:sp>
+          <p:nvSpPr>
+            <p:cNvPr id="17" name="Rectangle 16">
+              <a:extLst>
+                <a:ext uri="{FF2B5EF4-FFF2-40B4-BE49-F238E27FC236}">
+                  <a16:creationId xmlns:a16="http://schemas.microsoft.com/office/drawing/2014/main" id="{70F5D1EB-197F-41CD-9EA5-38C32A036D0D}"/>
+                </a:ext>
+              </a:extLst>
+            </p:cNvPr>
+            <p:cNvSpPr/>
+            <p:nvPr/>
+          </p:nvSpPr>
+          <p:spPr>
+            <a:xfrm>
+              <a:off x="5959927" y="2418539"/>
+              <a:ext cx="1001488" cy="506631"/>
+            </a:xfrm>
+            <a:prstGeom prst="rect">
+              <a:avLst/>
+            </a:prstGeom>
+          </p:spPr>
+          <p:style>
+            <a:lnRef idx="2">
+              <a:schemeClr val="accent1">
+                <a:shade val="50000"/>
+              </a:schemeClr>
+            </a:lnRef>
+            <a:fillRef idx="1">
+              <a:schemeClr val="accent1"/>
+            </a:fillRef>
+            <a:effectRef idx="0">
+              <a:schemeClr val="accent1"/>
+            </a:effectRef>
+            <a:fontRef idx="minor">
+              <a:schemeClr val="lt1"/>
+            </a:fontRef>
+          </p:style>
+          <p:txBody>
+            <a:bodyPr rtlCol="0" anchor="ctr"/>
+            <a:lstStyle/>
+            <a:p>
+              <a:pPr algn="ctr"/>
+              <a:r>
+                <a:rPr lang="en-US" altLang="zh-CN" sz="1200" dirty="0"/>
+                <a:t>Layout</a:t>
+              </a:r>
+              <a:endParaRPr lang="en-US" sz="1200" dirty="0"/>
+            </a:p>
+          </p:txBody>
+        </p:sp>
+        <p:sp>
+          <p:nvSpPr>
+            <p:cNvPr id="18" name="Rectangle 17">
+              <a:extLst>
+                <a:ext uri="{FF2B5EF4-FFF2-40B4-BE49-F238E27FC236}">
+                  <a16:creationId xmlns:a16="http://schemas.microsoft.com/office/drawing/2014/main" id="{DBB575CF-0A56-4F2B-9E4A-7A4818741A9E}"/>
+                </a:ext>
+              </a:extLst>
+            </p:cNvPr>
+            <p:cNvSpPr/>
+            <p:nvPr/>
+          </p:nvSpPr>
+          <p:spPr>
+            <a:xfrm>
+              <a:off x="7010398" y="2418539"/>
+              <a:ext cx="1001488" cy="506631"/>
+            </a:xfrm>
+            <a:prstGeom prst="rect">
+              <a:avLst/>
+            </a:prstGeom>
+          </p:spPr>
+          <p:style>
+            <a:lnRef idx="2">
+              <a:schemeClr val="accent1">
+                <a:shade val="50000"/>
+              </a:schemeClr>
+            </a:lnRef>
+            <a:fillRef idx="1">
+              <a:schemeClr val="accent1"/>
+            </a:fillRef>
+            <a:effectRef idx="0">
+              <a:schemeClr val="accent1"/>
+            </a:effectRef>
+            <a:fontRef idx="minor">
+              <a:schemeClr val="lt1"/>
+            </a:fontRef>
+          </p:style>
+          <p:txBody>
+            <a:bodyPr rtlCol="0" anchor="ctr"/>
+            <a:lstStyle/>
+            <a:p>
+              <a:pPr algn="ctr"/>
+              <a:r>
+                <a:rPr lang="en-US" sz="1200" dirty="0"/>
+                <a:t>Biz Logic</a:t>
+              </a:r>
+            </a:p>
+          </p:txBody>
+        </p:sp>
+        <p:sp>
+          <p:nvSpPr>
+            <p:cNvPr id="19" name="Rectangle 18">
+              <a:extLst>
+                <a:ext uri="{FF2B5EF4-FFF2-40B4-BE49-F238E27FC236}">
+                  <a16:creationId xmlns:a16="http://schemas.microsoft.com/office/drawing/2014/main" id="{849614E1-DE31-4A9C-9607-760813B99388}"/>
+                </a:ext>
+              </a:extLst>
+            </p:cNvPr>
+            <p:cNvSpPr/>
+            <p:nvPr/>
+          </p:nvSpPr>
+          <p:spPr>
+            <a:xfrm>
+              <a:off x="8060869" y="2426195"/>
+              <a:ext cx="1001488" cy="506631"/>
+            </a:xfrm>
+            <a:prstGeom prst="rect">
+              <a:avLst/>
+            </a:prstGeom>
+          </p:spPr>
+          <p:style>
+            <a:lnRef idx="2">
+              <a:schemeClr val="accent1">
+                <a:shade val="50000"/>
+              </a:schemeClr>
+            </a:lnRef>
+            <a:fillRef idx="1">
+              <a:schemeClr val="accent1"/>
+            </a:fillRef>
+            <a:effectRef idx="0">
+              <a:schemeClr val="accent1"/>
+            </a:effectRef>
+            <a:fontRef idx="minor">
+              <a:schemeClr val="lt1"/>
+            </a:fontRef>
+          </p:style>
+          <p:txBody>
+            <a:bodyPr rtlCol="0" anchor="ctr"/>
+            <a:lstStyle/>
+            <a:p>
+              <a:pPr algn="ctr"/>
+              <a:r>
+                <a:rPr lang="en-US" sz="1200" dirty="0"/>
+                <a:t>Data Graph</a:t>
+              </a:r>
+            </a:p>
+          </p:txBody>
+        </p:sp>
+        <p:sp>
+          <p:nvSpPr>
+            <p:cNvPr id="20" name="Rectangle 19">
+              <a:extLst>
+                <a:ext uri="{FF2B5EF4-FFF2-40B4-BE49-F238E27FC236}">
+                  <a16:creationId xmlns:a16="http://schemas.microsoft.com/office/drawing/2014/main" id="{1618D64F-BE1E-4EF8-B43E-20BD81D8D2B0}"/>
+                </a:ext>
+              </a:extLst>
+            </p:cNvPr>
+            <p:cNvSpPr/>
+            <p:nvPr/>
+          </p:nvSpPr>
+          <p:spPr>
+            <a:xfrm>
+              <a:off x="9111340" y="2418538"/>
+              <a:ext cx="1001488" cy="506631"/>
+            </a:xfrm>
+            <a:prstGeom prst="rect">
+              <a:avLst/>
+            </a:prstGeom>
+          </p:spPr>
+          <p:style>
+            <a:lnRef idx="2">
+              <a:schemeClr val="accent1">
+                <a:shade val="50000"/>
+              </a:schemeClr>
+            </a:lnRef>
+            <a:fillRef idx="1">
+              <a:schemeClr val="accent1"/>
+            </a:fillRef>
+            <a:effectRef idx="0">
+              <a:schemeClr val="accent1"/>
+            </a:effectRef>
+            <a:fontRef idx="minor">
+              <a:schemeClr val="lt1"/>
+            </a:fontRef>
+          </p:style>
+          <p:txBody>
+            <a:bodyPr rtlCol="0" anchor="ctr"/>
+            <a:lstStyle/>
+            <a:p>
+              <a:pPr algn="ctr"/>
+              <a:r>
+                <a:rPr lang="en-US" sz="1200" dirty="0"/>
+                <a:t>Libs</a:t>
+              </a:r>
+            </a:p>
+          </p:txBody>
+        </p:sp>
+      </p:grpSp>
+      <p:grpSp>
+        <p:nvGrpSpPr>
+          <p:cNvPr id="27" name="Group 26">
+            <a:extLst>
+              <a:ext uri="{FF2B5EF4-FFF2-40B4-BE49-F238E27FC236}">
+                <a16:creationId xmlns:a16="http://schemas.microsoft.com/office/drawing/2014/main" id="{26CE96D6-7D16-4BBA-B2BB-F54307EDA46E}"/>
+              </a:ext>
+            </a:extLst>
+          </p:cNvPr>
+          <p:cNvGrpSpPr/>
+          <p:nvPr/>
+        </p:nvGrpSpPr>
+        <p:grpSpPr>
+          <a:xfrm>
+            <a:off x="8844640" y="2410881"/>
+            <a:ext cx="2721431" cy="514288"/>
+            <a:chOff x="5959927" y="2418538"/>
+            <a:chExt cx="4152901" cy="514288"/>
+          </a:xfrm>
+        </p:grpSpPr>
+        <p:sp>
+          <p:nvSpPr>
+            <p:cNvPr id="28" name="Rectangle 27">
+              <a:extLst>
+                <a:ext uri="{FF2B5EF4-FFF2-40B4-BE49-F238E27FC236}">
+                  <a16:creationId xmlns:a16="http://schemas.microsoft.com/office/drawing/2014/main" id="{CE01BCBD-F6E0-4E5C-BAEF-F99EB09FBDC2}"/>
+                </a:ext>
+              </a:extLst>
+            </p:cNvPr>
+            <p:cNvSpPr/>
+            <p:nvPr/>
+          </p:nvSpPr>
+          <p:spPr>
+            <a:xfrm>
+              <a:off x="5959927" y="2418539"/>
+              <a:ext cx="1001488" cy="506631"/>
+            </a:xfrm>
+            <a:prstGeom prst="rect">
+              <a:avLst/>
+            </a:prstGeom>
+          </p:spPr>
+          <p:style>
+            <a:lnRef idx="2">
+              <a:schemeClr val="accent1">
+                <a:shade val="50000"/>
+              </a:schemeClr>
+            </a:lnRef>
+            <a:fillRef idx="1">
+              <a:schemeClr val="accent1"/>
+            </a:fillRef>
+            <a:effectRef idx="0">
+              <a:schemeClr val="accent1"/>
+            </a:effectRef>
+            <a:fontRef idx="minor">
+              <a:schemeClr val="lt1"/>
+            </a:fontRef>
+          </p:style>
+          <p:txBody>
+            <a:bodyPr rtlCol="0" anchor="ctr"/>
+            <a:lstStyle/>
+            <a:p>
+              <a:pPr algn="ctr"/>
+              <a:r>
+                <a:rPr lang="en-US" altLang="zh-CN" sz="1200" dirty="0"/>
+                <a:t>Layout</a:t>
+              </a:r>
+              <a:endParaRPr lang="en-US" sz="1200" dirty="0"/>
+            </a:p>
+          </p:txBody>
+        </p:sp>
+        <p:sp>
+          <p:nvSpPr>
+            <p:cNvPr id="29" name="Rectangle 28">
+              <a:extLst>
+                <a:ext uri="{FF2B5EF4-FFF2-40B4-BE49-F238E27FC236}">
+                  <a16:creationId xmlns:a16="http://schemas.microsoft.com/office/drawing/2014/main" id="{D9322CBF-9531-4CC2-AEB4-BFDF64579DC7}"/>
+                </a:ext>
+              </a:extLst>
+            </p:cNvPr>
+            <p:cNvSpPr/>
+            <p:nvPr/>
+          </p:nvSpPr>
+          <p:spPr>
+            <a:xfrm>
+              <a:off x="7010398" y="2418539"/>
+              <a:ext cx="1001488" cy="506631"/>
+            </a:xfrm>
+            <a:prstGeom prst="rect">
+              <a:avLst/>
+            </a:prstGeom>
+          </p:spPr>
+          <p:style>
+            <a:lnRef idx="2">
+              <a:schemeClr val="accent1">
+                <a:shade val="50000"/>
+              </a:schemeClr>
+            </a:lnRef>
+            <a:fillRef idx="1">
+              <a:schemeClr val="accent1"/>
+            </a:fillRef>
+            <a:effectRef idx="0">
+              <a:schemeClr val="accent1"/>
+            </a:effectRef>
+            <a:fontRef idx="minor">
+              <a:schemeClr val="lt1"/>
+            </a:fontRef>
+          </p:style>
+          <p:txBody>
+            <a:bodyPr rtlCol="0" anchor="ctr"/>
+            <a:lstStyle/>
+            <a:p>
+              <a:pPr algn="ctr"/>
+              <a:r>
+                <a:rPr lang="en-US" sz="1200" dirty="0"/>
+                <a:t>Biz Logic</a:t>
+              </a:r>
+            </a:p>
+          </p:txBody>
+        </p:sp>
+        <p:sp>
+          <p:nvSpPr>
+            <p:cNvPr id="30" name="Rectangle 29">
+              <a:extLst>
+                <a:ext uri="{FF2B5EF4-FFF2-40B4-BE49-F238E27FC236}">
+                  <a16:creationId xmlns:a16="http://schemas.microsoft.com/office/drawing/2014/main" id="{A0BC6D08-5FED-49E5-8F4C-BAADADD9856B}"/>
+                </a:ext>
+              </a:extLst>
+            </p:cNvPr>
+            <p:cNvSpPr/>
+            <p:nvPr/>
+          </p:nvSpPr>
+          <p:spPr>
+            <a:xfrm>
+              <a:off x="8060869" y="2426195"/>
+              <a:ext cx="1001488" cy="506631"/>
+            </a:xfrm>
+            <a:prstGeom prst="rect">
+              <a:avLst/>
+            </a:prstGeom>
+          </p:spPr>
+          <p:style>
+            <a:lnRef idx="2">
+              <a:schemeClr val="accent1">
+                <a:shade val="50000"/>
+              </a:schemeClr>
+            </a:lnRef>
+            <a:fillRef idx="1">
+              <a:schemeClr val="accent1"/>
+            </a:fillRef>
+            <a:effectRef idx="0">
+              <a:schemeClr val="accent1"/>
+            </a:effectRef>
+            <a:fontRef idx="minor">
+              <a:schemeClr val="lt1"/>
+            </a:fontRef>
+          </p:style>
+          <p:txBody>
+            <a:bodyPr rtlCol="0" anchor="ctr"/>
+            <a:lstStyle/>
+            <a:p>
+              <a:pPr algn="ctr"/>
+              <a:r>
+                <a:rPr lang="en-US" sz="1200" dirty="0"/>
+                <a:t>Data Graph</a:t>
+              </a:r>
+            </a:p>
+          </p:txBody>
+        </p:sp>
+        <p:sp>
+          <p:nvSpPr>
+            <p:cNvPr id="31" name="Rectangle 30">
+              <a:extLst>
+                <a:ext uri="{FF2B5EF4-FFF2-40B4-BE49-F238E27FC236}">
+                  <a16:creationId xmlns:a16="http://schemas.microsoft.com/office/drawing/2014/main" id="{E396BF04-05C2-4EB9-ACAB-795E0D6422C5}"/>
+                </a:ext>
+              </a:extLst>
+            </p:cNvPr>
+            <p:cNvSpPr/>
+            <p:nvPr/>
+          </p:nvSpPr>
+          <p:spPr>
+            <a:xfrm>
+              <a:off x="9111340" y="2418538"/>
+              <a:ext cx="1001488" cy="506631"/>
+            </a:xfrm>
+            <a:prstGeom prst="rect">
+              <a:avLst/>
+            </a:prstGeom>
+          </p:spPr>
+          <p:style>
+            <a:lnRef idx="2">
+              <a:schemeClr val="accent1">
+                <a:shade val="50000"/>
+              </a:schemeClr>
+            </a:lnRef>
+            <a:fillRef idx="1">
+              <a:schemeClr val="accent1"/>
+            </a:fillRef>
+            <a:effectRef idx="0">
+              <a:schemeClr val="accent1"/>
+            </a:effectRef>
+            <a:fontRef idx="minor">
+              <a:schemeClr val="lt1"/>
+            </a:fontRef>
+          </p:style>
+          <p:txBody>
+            <a:bodyPr rtlCol="0" anchor="ctr"/>
+            <a:lstStyle/>
+            <a:p>
+              <a:pPr algn="ctr"/>
+              <a:r>
+                <a:rPr lang="en-US" sz="1200" dirty="0"/>
+                <a:t>Libs</a:t>
+              </a:r>
+            </a:p>
+          </p:txBody>
+        </p:sp>
+      </p:grpSp>
+    </p:spTree>
+    <p:extLst>
+      <p:ext uri="{BB962C8B-B14F-4D97-AF65-F5344CB8AC3E}">
+        <p14:creationId xmlns:p14="http://schemas.microsoft.com/office/powerpoint/2010/main" val="3383202814"/>
+      </p:ext>
+    </p:extLst>
+  </p:cSld>
+  <p:clrMapOvr>
+    <a:masterClrMapping/>
+  </p:clrMapOvr>
+</p:sld>
+</file>
+
+<file path=ppt/slides/slide9.xml><?xml version="1.0" encoding="utf-8"?>
+<p:sld xmlns:a="http://schemas.openxmlformats.org/drawingml/2006/main" xmlns:r="http://schemas.openxmlformats.org/officeDocument/2006/relationships" xmlns:p="http://schemas.openxmlformats.org/presentationml/2006/main">
+  <p:cSld>
+    <p:spTree>
+      <p:nvGrpSpPr>
+        <p:cNvPr id="1" name=""/>
+        <p:cNvGrpSpPr/>
+        <p:nvPr/>
+      </p:nvGrpSpPr>
+      <p:grpSpPr>
+        <a:xfrm>
+          <a:off x="0" y="0"/>
+          <a:ext cx="0" cy="0"/>
+          <a:chOff x="0" y="0"/>
+          <a:chExt cx="0" cy="0"/>
+        </a:xfrm>
+      </p:grpSpPr>
+      <p:sp>
+        <p:nvSpPr>
+          <p:cNvPr id="2" name="Title 1">
+            <a:extLst>
+              <a:ext uri="{FF2B5EF4-FFF2-40B4-BE49-F238E27FC236}">
                 <a16:creationId xmlns:a16="http://schemas.microsoft.com/office/drawing/2014/main" id="{04D3C7E4-1F5C-4D0B-AC12-D56DB1CCCC50}"/>
               </a:ext>
             </a:extLst>
@@ -27115,7 +30331,7 @@
                 <a:pPr algn="ctr"/>
                 <a:r>
                   <a:rPr lang="en-US" sz="1100" dirty="0"/>
-                  <a:t>App Framework – MVPP </a:t>
+                  <a:t>App Framework – MVVM </a:t>
                 </a:r>
               </a:p>
             </p:txBody>
@@ -29293,1205 +32509,6 @@
 </p:sld>
 </file>
 
-<file path=ppt/slides/slide8.xml><?xml version="1.0" encoding="utf-8"?>
-<p:sld xmlns:a="http://schemas.openxmlformats.org/drawingml/2006/main" xmlns:r="http://schemas.openxmlformats.org/officeDocument/2006/relationships" xmlns:p="http://schemas.openxmlformats.org/presentationml/2006/main">
-  <p:cSld>
-    <p:spTree>
-      <p:nvGrpSpPr>
-        <p:cNvPr id="1" name=""/>
-        <p:cNvGrpSpPr/>
-        <p:nvPr/>
-      </p:nvGrpSpPr>
-      <p:grpSpPr>
-        <a:xfrm>
-          <a:off x="0" y="0"/>
-          <a:ext cx="0" cy="0"/>
-          <a:chOff x="0" y="0"/>
-          <a:chExt cx="0" cy="0"/>
-        </a:xfrm>
-      </p:grpSpPr>
-      <p:sp>
-        <p:nvSpPr>
-          <p:cNvPr id="2" name="Title 1">
-            <a:extLst>
-              <a:ext uri="{FF2B5EF4-FFF2-40B4-BE49-F238E27FC236}">
-                <a16:creationId xmlns:a16="http://schemas.microsoft.com/office/drawing/2014/main" id="{B89CD024-D01F-484F-8492-5670FB47C5D8}"/>
-              </a:ext>
-            </a:extLst>
-          </p:cNvPr>
-          <p:cNvSpPr>
-            <a:spLocks noGrp="1"/>
-          </p:cNvSpPr>
-          <p:nvPr>
-            <p:ph type="title"/>
-          </p:nvPr>
-        </p:nvSpPr>
-        <p:spPr/>
-        <p:txBody>
-          <a:bodyPr/>
-          <a:lstStyle/>
-          <a:p>
-            <a:r>
-              <a:rPr lang="en-US" altLang="zh-CN" dirty="0"/>
-              <a:t>App</a:t>
-            </a:r>
-            <a:r>
-              <a:rPr lang="zh-CN" altLang="en-US" dirty="0"/>
-              <a:t>新语言的趋势</a:t>
-            </a:r>
-            <a:endParaRPr lang="en-US" dirty="0"/>
-          </a:p>
-        </p:txBody>
-      </p:sp>
-      <p:sp>
-        <p:nvSpPr>
-          <p:cNvPr id="3" name="Content Placeholder 2">
-            <a:extLst>
-              <a:ext uri="{FF2B5EF4-FFF2-40B4-BE49-F238E27FC236}">
-                <a16:creationId xmlns:a16="http://schemas.microsoft.com/office/drawing/2014/main" id="{68695ADD-D575-401B-9587-4AB903964BE1}"/>
-              </a:ext>
-            </a:extLst>
-          </p:cNvPr>
-          <p:cNvSpPr>
-            <a:spLocks noGrp="1"/>
-          </p:cNvSpPr>
-          <p:nvPr>
-            <p:ph idx="1"/>
-          </p:nvPr>
-        </p:nvSpPr>
-        <p:spPr>
-          <a:xfrm>
-            <a:off x="838200" y="1825625"/>
-            <a:ext cx="10515600" cy="4482646"/>
-          </a:xfrm>
-        </p:spPr>
-        <p:txBody>
-          <a:bodyPr>
-            <a:normAutofit fontScale="70000" lnSpcReduction="20000"/>
-          </a:bodyPr>
-          <a:lstStyle/>
-          <a:p>
-            <a:pPr>
-              <a:lnSpc>
-                <a:spcPct val="120000"/>
-              </a:lnSpc>
-            </a:pPr>
-            <a:r>
-              <a:rPr lang="zh-CN" altLang="en-US" dirty="0"/>
-              <a:t>趋势判断</a:t>
-            </a:r>
-            <a:endParaRPr lang="en-US" altLang="zh-CN" dirty="0"/>
-          </a:p>
-          <a:p>
-            <a:pPr lvl="1">
-              <a:lnSpc>
-                <a:spcPct val="120000"/>
-              </a:lnSpc>
-            </a:pPr>
-            <a:r>
-              <a:rPr lang="en-US" altLang="zh-CN" dirty="0"/>
-              <a:t>Low</a:t>
-            </a:r>
-            <a:r>
-              <a:rPr lang="zh-CN" altLang="en-US" dirty="0"/>
-              <a:t> </a:t>
-            </a:r>
-            <a:r>
-              <a:rPr lang="en-US" altLang="zh-CN" dirty="0"/>
-              <a:t>coding,</a:t>
-            </a:r>
-            <a:r>
-              <a:rPr lang="zh-CN" altLang="en-US" dirty="0"/>
-              <a:t> </a:t>
-            </a:r>
-            <a:r>
-              <a:rPr lang="en-US" altLang="zh-CN" dirty="0"/>
-              <a:t>no</a:t>
-            </a:r>
-            <a:r>
-              <a:rPr lang="zh-CN" altLang="en-US" dirty="0"/>
-              <a:t> </a:t>
-            </a:r>
-            <a:r>
-              <a:rPr lang="en-US" altLang="zh-CN" dirty="0"/>
-              <a:t>coding</a:t>
-            </a:r>
-            <a:r>
-              <a:rPr lang="zh-CN" altLang="en-US" dirty="0"/>
-              <a:t>是前端发展的趋势，设计和实现一体的</a:t>
-            </a:r>
-            <a:r>
-              <a:rPr lang="en-US" altLang="zh-CN" dirty="0"/>
-              <a:t>IDE</a:t>
-            </a:r>
-            <a:r>
-              <a:rPr lang="zh-CN" altLang="en-US" dirty="0"/>
-              <a:t>（</a:t>
-            </a:r>
-            <a:r>
-              <a:rPr lang="en-US" altLang="zh-CN" dirty="0" err="1"/>
-              <a:t>figma</a:t>
-            </a:r>
-            <a:r>
-              <a:rPr lang="en-US" altLang="zh-CN" dirty="0"/>
-              <a:t>, </a:t>
-            </a:r>
-            <a:r>
-              <a:rPr lang="en-US" altLang="zh-CN" dirty="0" err="1"/>
-              <a:t>webflow</a:t>
-            </a:r>
-            <a:r>
-              <a:rPr lang="zh-CN" altLang="en-US" dirty="0"/>
-              <a:t>），声明式编程的普遍采纳</a:t>
-            </a:r>
-            <a:endParaRPr lang="en-US" altLang="zh-CN" dirty="0"/>
-          </a:p>
-          <a:p>
-            <a:pPr lvl="1">
-              <a:lnSpc>
-                <a:spcPct val="120000"/>
-              </a:lnSpc>
-            </a:pPr>
-            <a:r>
-              <a:rPr lang="en-US" altLang="zh-CN" dirty="0"/>
-              <a:t>Micro-frontend</a:t>
-            </a:r>
-            <a:r>
-              <a:rPr lang="zh-CN" altLang="en-US" dirty="0"/>
-              <a:t>，大厂内部实现了</a:t>
-            </a:r>
-            <a:r>
-              <a:rPr lang="en-US" altLang="zh-CN" dirty="0"/>
-              <a:t>App</a:t>
-            </a:r>
-            <a:r>
-              <a:rPr lang="zh-CN" altLang="en-US" dirty="0"/>
-              <a:t>能力组件化，云端和前端主要工作是粘贴和组合，相应的</a:t>
-            </a:r>
-            <a:r>
-              <a:rPr lang="en-US" altLang="zh-CN" dirty="0"/>
-              <a:t>SaaS</a:t>
-            </a:r>
-            <a:r>
-              <a:rPr lang="zh-CN" altLang="en-US" dirty="0"/>
-              <a:t>工具（</a:t>
-            </a:r>
-            <a:r>
-              <a:rPr lang="en-US" altLang="zh-CN" dirty="0">
-                <a:hlinkClick r:id="rId2"/>
-              </a:rPr>
-              <a:t>https://bit.dev/</a:t>
-            </a:r>
-            <a:r>
-              <a:rPr lang="zh-CN" altLang="en-US" dirty="0"/>
-              <a:t>，</a:t>
-            </a:r>
-            <a:r>
-              <a:rPr lang="en-US" altLang="zh-CN" dirty="0"/>
-              <a:t>https://www.framer.com/</a:t>
-            </a:r>
-            <a:r>
-              <a:rPr lang="zh-CN" altLang="en-US" dirty="0"/>
-              <a:t>）</a:t>
-            </a:r>
-            <a:endParaRPr lang="en-US" altLang="zh-CN" dirty="0"/>
-          </a:p>
-          <a:p>
-            <a:pPr lvl="1">
-              <a:lnSpc>
-                <a:spcPct val="120000"/>
-              </a:lnSpc>
-            </a:pPr>
-            <a:r>
-              <a:rPr lang="zh-CN" altLang="en-US" dirty="0"/>
-              <a:t>针对对</a:t>
-            </a:r>
-            <a:r>
-              <a:rPr lang="en-US" altLang="zh-CN" dirty="0"/>
-              <a:t>domain</a:t>
-            </a:r>
-            <a:r>
-              <a:rPr lang="zh-CN" altLang="en-US" dirty="0"/>
-              <a:t>的</a:t>
-            </a:r>
-            <a:r>
-              <a:rPr lang="en-US" altLang="zh-CN" dirty="0"/>
-              <a:t>DSL</a:t>
-            </a:r>
-            <a:r>
-              <a:rPr lang="zh-CN" altLang="en-US" dirty="0"/>
-              <a:t>配合</a:t>
-            </a:r>
-            <a:r>
-              <a:rPr lang="en-US" altLang="zh-CN" dirty="0"/>
-              <a:t>compiler</a:t>
-            </a:r>
-            <a:r>
-              <a:rPr lang="zh-CN" altLang="en-US" dirty="0"/>
-              <a:t>优化</a:t>
-            </a:r>
-            <a:r>
-              <a:rPr lang="en-US" altLang="zh-CN" dirty="0"/>
-              <a:t>domain</a:t>
-            </a:r>
-            <a:r>
-              <a:rPr lang="zh-CN" altLang="en-US" dirty="0"/>
-              <a:t>问题，例如：</a:t>
-            </a:r>
-            <a:r>
-              <a:rPr lang="en-US" altLang="zh-CN" dirty="0"/>
-              <a:t>JS</a:t>
-            </a:r>
-            <a:r>
-              <a:rPr lang="zh-CN" altLang="en-US" dirty="0"/>
-              <a:t>之上发展出来的</a:t>
-            </a:r>
-            <a:r>
-              <a:rPr lang="en-US" altLang="zh-CN" dirty="0"/>
-              <a:t>DSL</a:t>
-            </a:r>
-            <a:r>
-              <a:rPr lang="zh-CN" altLang="en-US" dirty="0"/>
-              <a:t>，伯克利</a:t>
-            </a:r>
-            <a:r>
-              <a:rPr lang="en-US" altLang="zh-CN" dirty="0"/>
-              <a:t>hydro-flow</a:t>
-            </a:r>
-            <a:r>
-              <a:rPr lang="zh-CN" altLang="en-US" dirty="0"/>
-              <a:t>项目基于</a:t>
-            </a:r>
-            <a:r>
-              <a:rPr lang="en-US" altLang="zh-CN" dirty="0"/>
-              <a:t>Rust</a:t>
-            </a:r>
-            <a:r>
-              <a:rPr lang="zh-CN" altLang="en-US" dirty="0"/>
-              <a:t>构建的多个</a:t>
-            </a:r>
-            <a:r>
-              <a:rPr lang="en-US" altLang="zh-CN" dirty="0"/>
-              <a:t>DSL</a:t>
-            </a:r>
-          </a:p>
-          <a:p>
-            <a:pPr>
-              <a:lnSpc>
-                <a:spcPct val="120000"/>
-              </a:lnSpc>
-            </a:pPr>
-            <a:r>
-              <a:rPr lang="zh-CN" altLang="en-US" dirty="0"/>
-              <a:t>新语言的战略</a:t>
-            </a:r>
-            <a:endParaRPr lang="en-US" altLang="zh-CN" dirty="0"/>
-          </a:p>
-          <a:p>
-            <a:pPr lvl="1">
-              <a:lnSpc>
-                <a:spcPct val="120000"/>
-              </a:lnSpc>
-            </a:pPr>
-            <a:r>
-              <a:rPr lang="zh-CN" altLang="en-US" dirty="0"/>
-              <a:t>底座语言做能力：系统语言，性能，安全，跨平台，多语言集成，值得长期投资</a:t>
-            </a:r>
-            <a:endParaRPr lang="en-US" altLang="zh-CN" dirty="0"/>
-          </a:p>
-          <a:p>
-            <a:pPr lvl="1">
-              <a:lnSpc>
-                <a:spcPct val="120000"/>
-              </a:lnSpc>
-            </a:pPr>
-            <a:r>
-              <a:rPr lang="zh-CN" altLang="en-US" dirty="0"/>
-              <a:t>胶水语言粘用户：拉通设计和工程，</a:t>
-            </a:r>
-            <a:r>
-              <a:rPr lang="en-US" altLang="zh-CN" dirty="0"/>
-              <a:t>low coding</a:t>
-            </a:r>
-            <a:r>
-              <a:rPr lang="zh-CN" altLang="en-US" dirty="0"/>
-              <a:t>，</a:t>
-            </a:r>
-            <a:r>
-              <a:rPr lang="en-US" altLang="zh-CN" dirty="0"/>
-              <a:t>no coding</a:t>
-            </a:r>
-            <a:r>
-              <a:rPr lang="zh-CN" altLang="en-US" dirty="0"/>
-              <a:t>，组件化，服务化，胶水</a:t>
-            </a:r>
-            <a:r>
-              <a:rPr lang="en-US" altLang="zh-CN" dirty="0"/>
-              <a:t>DSL</a:t>
-            </a:r>
-            <a:r>
-              <a:rPr lang="zh-CN" altLang="en-US" dirty="0"/>
-              <a:t>语言</a:t>
-            </a:r>
-            <a:endParaRPr lang="en-US" altLang="zh-CN" dirty="0"/>
-          </a:p>
-          <a:p>
-            <a:pPr lvl="1">
-              <a:lnSpc>
-                <a:spcPct val="120000"/>
-              </a:lnSpc>
-            </a:pPr>
-            <a:r>
-              <a:rPr lang="zh-CN" altLang="en-US" dirty="0"/>
-              <a:t>投资在基础底座语言上构建</a:t>
-            </a:r>
-            <a:r>
-              <a:rPr lang="en-US" altLang="zh-CN" dirty="0"/>
-              <a:t>DSL</a:t>
-            </a:r>
-            <a:r>
-              <a:rPr lang="zh-CN" altLang="en-US" dirty="0"/>
-              <a:t>的能力，通过开放社区快速迭代（微软的</a:t>
-            </a:r>
-            <a:r>
-              <a:rPr lang="en-US" altLang="zh-CN" dirty="0"/>
-              <a:t>TS</a:t>
-            </a:r>
-            <a:r>
-              <a:rPr lang="zh-CN" altLang="en-US" dirty="0"/>
-              <a:t>战略）</a:t>
-            </a:r>
-            <a:endParaRPr lang="en-US" altLang="zh-CN" dirty="0"/>
-          </a:p>
-          <a:p>
-            <a:pPr lvl="1">
-              <a:lnSpc>
-                <a:spcPct val="120000"/>
-              </a:lnSpc>
-            </a:pPr>
-            <a:r>
-              <a:rPr lang="zh-CN" altLang="en-US" dirty="0"/>
-              <a:t>透明更换底座：把</a:t>
-            </a:r>
-            <a:r>
-              <a:rPr lang="en-US" altLang="zh-CN" dirty="0"/>
-              <a:t>JS</a:t>
-            </a:r>
-            <a:r>
-              <a:rPr lang="zh-CN" altLang="en-US" dirty="0"/>
-              <a:t>的</a:t>
-            </a:r>
-            <a:r>
-              <a:rPr lang="en-US" altLang="zh-CN" dirty="0"/>
-              <a:t>DSL</a:t>
-            </a:r>
-            <a:r>
-              <a:rPr lang="zh-CN" altLang="en-US" dirty="0"/>
-              <a:t>变为</a:t>
-            </a:r>
-            <a:r>
-              <a:rPr lang="en-US" altLang="zh-CN" dirty="0"/>
-              <a:t>Rust DSL</a:t>
-            </a:r>
-            <a:r>
-              <a:rPr lang="zh-CN" altLang="en-US" dirty="0"/>
-              <a:t>，提升性能和安全性</a:t>
-            </a:r>
-            <a:endParaRPr lang="en-US" altLang="zh-CN" dirty="0"/>
-          </a:p>
-        </p:txBody>
-      </p:sp>
-    </p:spTree>
-    <p:extLst>
-      <p:ext uri="{BB962C8B-B14F-4D97-AF65-F5344CB8AC3E}">
-        <p14:creationId xmlns:p14="http://schemas.microsoft.com/office/powerpoint/2010/main" val="1316401071"/>
-      </p:ext>
-    </p:extLst>
-  </p:cSld>
-  <p:clrMapOvr>
-    <a:masterClrMapping/>
-  </p:clrMapOvr>
-</p:sld>
-</file>
-
-<file path=ppt/slides/slide9.xml><?xml version="1.0" encoding="utf-8"?>
-<p:sld xmlns:a="http://schemas.openxmlformats.org/drawingml/2006/main" xmlns:r="http://schemas.openxmlformats.org/officeDocument/2006/relationships" xmlns:p="http://schemas.openxmlformats.org/presentationml/2006/main">
-  <p:cSld>
-    <p:spTree>
-      <p:nvGrpSpPr>
-        <p:cNvPr id="1" name=""/>
-        <p:cNvGrpSpPr/>
-        <p:nvPr/>
-      </p:nvGrpSpPr>
-      <p:grpSpPr>
-        <a:xfrm>
-          <a:off x="0" y="0"/>
-          <a:ext cx="0" cy="0"/>
-          <a:chOff x="0" y="0"/>
-          <a:chExt cx="0" cy="0"/>
-        </a:xfrm>
-      </p:grpSpPr>
-      <p:sp>
-        <p:nvSpPr>
-          <p:cNvPr id="2" name="Title 1">
-            <a:extLst>
-              <a:ext uri="{FF2B5EF4-FFF2-40B4-BE49-F238E27FC236}">
-                <a16:creationId xmlns:a16="http://schemas.microsoft.com/office/drawing/2014/main" id="{84779A4C-E634-497E-B201-02C37BA20609}"/>
-              </a:ext>
-            </a:extLst>
-          </p:cNvPr>
-          <p:cNvSpPr>
-            <a:spLocks noGrp="1"/>
-          </p:cNvSpPr>
-          <p:nvPr>
-            <p:ph type="title"/>
-          </p:nvPr>
-        </p:nvSpPr>
-        <p:spPr/>
-        <p:txBody>
-          <a:bodyPr/>
-          <a:lstStyle/>
-          <a:p>
-            <a:r>
-              <a:rPr lang="en-US" altLang="zh-CN" dirty="0"/>
-              <a:t>App</a:t>
-            </a:r>
-            <a:r>
-              <a:rPr lang="zh-CN" altLang="en-US" dirty="0"/>
-              <a:t>前端语言的机会</a:t>
-            </a:r>
-            <a:endParaRPr lang="en-US" dirty="0"/>
-          </a:p>
-        </p:txBody>
-      </p:sp>
-      <p:sp>
-        <p:nvSpPr>
-          <p:cNvPr id="3" name="Content Placeholder 2">
-            <a:extLst>
-              <a:ext uri="{FF2B5EF4-FFF2-40B4-BE49-F238E27FC236}">
-                <a16:creationId xmlns:a16="http://schemas.microsoft.com/office/drawing/2014/main" id="{44554B17-36E6-41D4-B804-23746D76A53C}"/>
-              </a:ext>
-            </a:extLst>
-          </p:cNvPr>
-          <p:cNvSpPr>
-            <a:spLocks noGrp="1"/>
-          </p:cNvSpPr>
-          <p:nvPr>
-            <p:ph idx="1"/>
-          </p:nvPr>
-        </p:nvSpPr>
-        <p:spPr>
-          <a:xfrm>
-            <a:off x="838199" y="1825625"/>
-            <a:ext cx="5105402" cy="4460875"/>
-          </a:xfrm>
-        </p:spPr>
-        <p:txBody>
-          <a:bodyPr>
-            <a:normAutofit fontScale="70000" lnSpcReduction="20000"/>
-          </a:bodyPr>
-          <a:lstStyle/>
-          <a:p>
-            <a:pPr>
-              <a:lnSpc>
-                <a:spcPct val="120000"/>
-              </a:lnSpc>
-            </a:pPr>
-            <a:r>
-              <a:rPr lang="zh-CN" altLang="en-US" dirty="0"/>
-              <a:t>前端语言的多样场景，导致已经在</a:t>
-            </a:r>
-            <a:r>
-              <a:rPr lang="en-US" altLang="zh-CN" dirty="0"/>
-              <a:t>JS</a:t>
-            </a:r>
-            <a:r>
-              <a:rPr lang="zh-CN" altLang="en-US" dirty="0"/>
-              <a:t>上长出不同的</a:t>
-            </a:r>
-            <a:r>
-              <a:rPr lang="en-US" altLang="zh-CN" dirty="0"/>
-              <a:t>DSL</a:t>
-            </a:r>
-          </a:p>
-          <a:p>
-            <a:pPr lvl="1">
-              <a:lnSpc>
-                <a:spcPct val="120000"/>
-              </a:lnSpc>
-            </a:pPr>
-            <a:r>
-              <a:rPr lang="en-US" altLang="zh-CN" dirty="0"/>
-              <a:t>Layout </a:t>
-            </a:r>
-            <a:r>
-              <a:rPr lang="zh-CN" altLang="en-US" dirty="0"/>
-              <a:t>设计，声明式编程主导</a:t>
-            </a:r>
-            <a:endParaRPr lang="en-US" altLang="zh-CN" dirty="0"/>
-          </a:p>
-          <a:p>
-            <a:pPr lvl="2">
-              <a:lnSpc>
-                <a:spcPct val="120000"/>
-              </a:lnSpc>
-            </a:pPr>
-            <a:r>
-              <a:rPr lang="en-US" altLang="zh-CN" dirty="0"/>
-              <a:t>–</a:t>
-            </a:r>
-            <a:r>
-              <a:rPr lang="zh-CN" altLang="en-US" dirty="0"/>
-              <a:t> </a:t>
-            </a:r>
-            <a:r>
-              <a:rPr lang="en-US" altLang="zh-CN" dirty="0"/>
-              <a:t>React JSX,  RAX, </a:t>
-            </a:r>
-            <a:r>
-              <a:rPr lang="zh-CN" altLang="en-US" dirty="0"/>
-              <a:t>基于</a:t>
-            </a:r>
-            <a:r>
-              <a:rPr lang="en-US" altLang="zh-CN" dirty="0"/>
-              <a:t>JS</a:t>
-            </a:r>
-            <a:r>
-              <a:rPr lang="zh-CN" altLang="en-US" dirty="0"/>
-              <a:t>的</a:t>
-            </a:r>
-            <a:r>
-              <a:rPr lang="en-US" altLang="zh-CN" dirty="0"/>
-              <a:t>DSL</a:t>
-            </a:r>
-            <a:r>
-              <a:rPr lang="zh-CN" altLang="en-US" dirty="0"/>
-              <a:t>，通过</a:t>
-            </a:r>
-            <a:r>
-              <a:rPr lang="en-US" altLang="zh-CN" dirty="0"/>
-              <a:t>Babel </a:t>
-            </a:r>
-            <a:r>
-              <a:rPr lang="en-US" altLang="zh-CN" dirty="0" err="1"/>
-              <a:t>transcompile</a:t>
-            </a:r>
-            <a:r>
-              <a:rPr lang="zh-CN" altLang="en-US" dirty="0"/>
-              <a:t>到</a:t>
-            </a:r>
-            <a:r>
-              <a:rPr lang="en-US" altLang="zh-CN" dirty="0"/>
-              <a:t>JS</a:t>
-            </a:r>
-          </a:p>
-          <a:p>
-            <a:pPr lvl="2">
-              <a:lnSpc>
-                <a:spcPct val="120000"/>
-              </a:lnSpc>
-            </a:pPr>
-            <a:r>
-              <a:rPr lang="en-US" altLang="zh-CN" dirty="0" err="1"/>
-              <a:t>SwiftUI</a:t>
-            </a:r>
-            <a:r>
-              <a:rPr lang="zh-CN" altLang="en-US" dirty="0"/>
-              <a:t>，</a:t>
-            </a:r>
-            <a:r>
-              <a:rPr lang="en-US" altLang="zh-CN" dirty="0"/>
-              <a:t>Jetpack</a:t>
-            </a:r>
-          </a:p>
-          <a:p>
-            <a:pPr lvl="1">
-              <a:lnSpc>
-                <a:spcPct val="120000"/>
-              </a:lnSpc>
-            </a:pPr>
-            <a:r>
-              <a:rPr lang="zh-CN" altLang="en-US" dirty="0"/>
-              <a:t>业务逻辑</a:t>
-            </a:r>
-            <a:endParaRPr lang="en-US" altLang="zh-CN" dirty="0"/>
-          </a:p>
-          <a:p>
-            <a:pPr lvl="2">
-              <a:lnSpc>
-                <a:spcPct val="120000"/>
-              </a:lnSpc>
-            </a:pPr>
-            <a:r>
-              <a:rPr lang="en-US" dirty="0"/>
-              <a:t>TypeScript</a:t>
-            </a:r>
-            <a:r>
-              <a:rPr lang="zh-CN" altLang="en-US" dirty="0"/>
-              <a:t>，强类型，通过</a:t>
-            </a:r>
-            <a:r>
-              <a:rPr lang="en-US" altLang="zh-CN" dirty="0"/>
-              <a:t>Babel </a:t>
-            </a:r>
-            <a:r>
-              <a:rPr lang="en-US" altLang="zh-CN" dirty="0" err="1"/>
-              <a:t>transcompile</a:t>
-            </a:r>
-            <a:r>
-              <a:rPr lang="zh-CN" altLang="en-US" dirty="0"/>
-              <a:t>到</a:t>
-            </a:r>
-            <a:r>
-              <a:rPr lang="en-US" altLang="zh-CN" dirty="0"/>
-              <a:t>JS</a:t>
-            </a:r>
-          </a:p>
-          <a:p>
-            <a:pPr lvl="2">
-              <a:lnSpc>
-                <a:spcPct val="120000"/>
-              </a:lnSpc>
-            </a:pPr>
-            <a:r>
-              <a:rPr lang="en-US" altLang="zh-CN" dirty="0"/>
-              <a:t>Dart</a:t>
-            </a:r>
-            <a:r>
-              <a:rPr lang="zh-CN" altLang="en-US" dirty="0"/>
-              <a:t>，强类型，通过</a:t>
-            </a:r>
-            <a:r>
-              <a:rPr lang="en-US" altLang="zh-CN" dirty="0"/>
-              <a:t>dart2js </a:t>
-            </a:r>
-            <a:r>
-              <a:rPr lang="en-US" altLang="zh-CN" dirty="0" err="1"/>
-              <a:t>transcompile</a:t>
-            </a:r>
-            <a:r>
-              <a:rPr lang="zh-CN" altLang="en-US" dirty="0"/>
-              <a:t>到</a:t>
-            </a:r>
-            <a:r>
-              <a:rPr lang="en-US" altLang="zh-CN" dirty="0"/>
-              <a:t>JS</a:t>
-            </a:r>
-          </a:p>
-          <a:p>
-            <a:pPr lvl="1">
-              <a:lnSpc>
-                <a:spcPct val="120000"/>
-              </a:lnSpc>
-            </a:pPr>
-            <a:r>
-              <a:rPr lang="zh-CN" altLang="en-US" dirty="0"/>
-              <a:t>计算类型</a:t>
-            </a:r>
-            <a:endParaRPr lang="en-US" altLang="zh-CN" dirty="0"/>
-          </a:p>
-          <a:p>
-            <a:pPr lvl="2">
-              <a:lnSpc>
-                <a:spcPct val="120000"/>
-              </a:lnSpc>
-            </a:pPr>
-            <a:r>
-              <a:rPr lang="en-US" altLang="zh-CN" dirty="0"/>
-              <a:t>C/C++</a:t>
-            </a:r>
-            <a:r>
-              <a:rPr lang="zh-CN" altLang="en-US" dirty="0"/>
-              <a:t>，</a:t>
-            </a:r>
-            <a:r>
-              <a:rPr lang="en-US" altLang="zh-CN" dirty="0"/>
-              <a:t>Rust</a:t>
-            </a:r>
-            <a:r>
-              <a:rPr lang="zh-CN" altLang="en-US" dirty="0"/>
-              <a:t>，通过</a:t>
-            </a:r>
-            <a:r>
-              <a:rPr lang="en-US" altLang="zh-CN" dirty="0"/>
-              <a:t>asm.js</a:t>
-            </a:r>
-            <a:r>
-              <a:rPr lang="zh-CN" altLang="en-US" dirty="0"/>
-              <a:t> </a:t>
-            </a:r>
-            <a:r>
-              <a:rPr lang="en-US" altLang="zh-CN" dirty="0"/>
-              <a:t>compile </a:t>
-            </a:r>
-            <a:r>
-              <a:rPr lang="zh-CN" altLang="en-US" dirty="0"/>
-              <a:t>到</a:t>
-            </a:r>
-            <a:r>
-              <a:rPr lang="en-US" altLang="zh-CN" dirty="0"/>
-              <a:t>JS</a:t>
-            </a:r>
-          </a:p>
-          <a:p>
-            <a:pPr lvl="1">
-              <a:lnSpc>
-                <a:spcPct val="120000"/>
-              </a:lnSpc>
-            </a:pPr>
-            <a:r>
-              <a:rPr lang="zh-CN" altLang="en-US" dirty="0"/>
-              <a:t>数据</a:t>
-            </a:r>
-            <a:r>
-              <a:rPr lang="en-US" altLang="zh-CN" dirty="0"/>
-              <a:t>ORM</a:t>
-            </a:r>
-          </a:p>
-          <a:p>
-            <a:pPr lvl="2">
-              <a:lnSpc>
-                <a:spcPct val="120000"/>
-              </a:lnSpc>
-            </a:pPr>
-            <a:r>
-              <a:rPr lang="en-US" altLang="zh-CN" dirty="0" err="1"/>
-              <a:t>GraphQL</a:t>
-            </a:r>
-            <a:r>
-              <a:rPr lang="zh-CN" altLang="en-US" dirty="0"/>
-              <a:t>，拉通前后台的数据图描述</a:t>
-            </a:r>
-            <a:endParaRPr lang="en-US" altLang="zh-CN" dirty="0"/>
-          </a:p>
-          <a:p>
-            <a:pPr lvl="2"/>
-            <a:endParaRPr lang="en-US" dirty="0"/>
-          </a:p>
-        </p:txBody>
-      </p:sp>
-      <p:sp>
-        <p:nvSpPr>
-          <p:cNvPr id="6" name="Content Placeholder 2">
-            <a:extLst>
-              <a:ext uri="{FF2B5EF4-FFF2-40B4-BE49-F238E27FC236}">
-                <a16:creationId xmlns:a16="http://schemas.microsoft.com/office/drawing/2014/main" id="{EC0A4186-9C3E-4148-8E35-0909A741F1F0}"/>
-              </a:ext>
-            </a:extLst>
-          </p:cNvPr>
-          <p:cNvSpPr txBox="1">
-            <a:spLocks/>
-          </p:cNvSpPr>
-          <p:nvPr/>
-        </p:nvSpPr>
-        <p:spPr>
-          <a:xfrm>
-            <a:off x="6248401" y="1825625"/>
-            <a:ext cx="4419600" cy="4226832"/>
-          </a:xfrm>
-          <a:prstGeom prst="rect">
-            <a:avLst/>
-          </a:prstGeom>
-        </p:spPr>
-        <p:txBody>
-          <a:bodyPr vert="horz" lIns="91440" tIns="45720" rIns="91440" bIns="45720" rtlCol="0">
-            <a:normAutofit fontScale="70000" lnSpcReduction="20000"/>
-          </a:bodyPr>
-          <a:lstStyle>
-            <a:lvl1pPr marL="228600" indent="-228600" algn="l" defTabSz="914400" rtl="0" eaLnBrk="1" latinLnBrk="0" hangingPunct="1">
-              <a:lnSpc>
-                <a:spcPct val="90000"/>
-              </a:lnSpc>
-              <a:spcBef>
-                <a:spcPts val="1000"/>
-              </a:spcBef>
-              <a:buFont typeface="Arial" panose="020B0604020202020204" pitchFamily="34" charset="0"/>
-              <a:buChar char="•"/>
-              <a:defRPr sz="2800" kern="1200">
-                <a:solidFill>
-                  <a:schemeClr val="tx1"/>
-                </a:solidFill>
-                <a:latin typeface="+mn-lt"/>
-                <a:ea typeface="+mn-ea"/>
-                <a:cs typeface="+mn-cs"/>
-              </a:defRPr>
-            </a:lvl1pPr>
-            <a:lvl2pPr marL="685800" indent="-228600" algn="l" defTabSz="914400" rtl="0" eaLnBrk="1" latinLnBrk="0" hangingPunct="1">
-              <a:lnSpc>
-                <a:spcPct val="90000"/>
-              </a:lnSpc>
-              <a:spcBef>
-                <a:spcPts val="500"/>
-              </a:spcBef>
-              <a:buFont typeface="Arial" panose="020B0604020202020204" pitchFamily="34" charset="0"/>
-              <a:buChar char="•"/>
-              <a:defRPr sz="2400" kern="1200">
-                <a:solidFill>
-                  <a:schemeClr val="tx1"/>
-                </a:solidFill>
-                <a:latin typeface="+mn-lt"/>
-                <a:ea typeface="+mn-ea"/>
-                <a:cs typeface="+mn-cs"/>
-              </a:defRPr>
-            </a:lvl2pPr>
-            <a:lvl3pPr marL="1143000" indent="-228600" algn="l" defTabSz="914400" rtl="0" eaLnBrk="1" latinLnBrk="0" hangingPunct="1">
-              <a:lnSpc>
-                <a:spcPct val="90000"/>
-              </a:lnSpc>
-              <a:spcBef>
-                <a:spcPts val="500"/>
-              </a:spcBef>
-              <a:buFont typeface="Arial" panose="020B0604020202020204" pitchFamily="34" charset="0"/>
-              <a:buChar char="•"/>
-              <a:defRPr sz="2000" kern="1200">
-                <a:solidFill>
-                  <a:schemeClr val="tx1"/>
-                </a:solidFill>
-                <a:latin typeface="+mn-lt"/>
-                <a:ea typeface="+mn-ea"/>
-                <a:cs typeface="+mn-cs"/>
-              </a:defRPr>
-            </a:lvl3pPr>
-            <a:lvl4pPr marL="1600200" indent="-228600" algn="l" defTabSz="914400" rtl="0" eaLnBrk="1" latinLnBrk="0" hangingPunct="1">
-              <a:lnSpc>
-                <a:spcPct val="90000"/>
-              </a:lnSpc>
-              <a:spcBef>
-                <a:spcPts val="500"/>
-              </a:spcBef>
-              <a:buFont typeface="Arial" panose="020B0604020202020204" pitchFamily="34" charset="0"/>
-              <a:buChar char="•"/>
-              <a:defRPr sz="1800" kern="1200">
-                <a:solidFill>
-                  <a:schemeClr val="tx1"/>
-                </a:solidFill>
-                <a:latin typeface="+mn-lt"/>
-                <a:ea typeface="+mn-ea"/>
-                <a:cs typeface="+mn-cs"/>
-              </a:defRPr>
-            </a:lvl4pPr>
-            <a:lvl5pPr marL="2057400" indent="-228600" algn="l" defTabSz="914400" rtl="0" eaLnBrk="1" latinLnBrk="0" hangingPunct="1">
-              <a:lnSpc>
-                <a:spcPct val="90000"/>
-              </a:lnSpc>
-              <a:spcBef>
-                <a:spcPts val="500"/>
-              </a:spcBef>
-              <a:buFont typeface="Arial" panose="020B0604020202020204" pitchFamily="34" charset="0"/>
-              <a:buChar char="•"/>
-              <a:defRPr sz="1800" kern="1200">
-                <a:solidFill>
-                  <a:schemeClr val="tx1"/>
-                </a:solidFill>
-                <a:latin typeface="+mn-lt"/>
-                <a:ea typeface="+mn-ea"/>
-                <a:cs typeface="+mn-cs"/>
-              </a:defRPr>
-            </a:lvl5pPr>
-            <a:lvl6pPr marL="2514600" indent="-228600" algn="l" defTabSz="914400" rtl="0" eaLnBrk="1" latinLnBrk="0" hangingPunct="1">
-              <a:lnSpc>
-                <a:spcPct val="90000"/>
-              </a:lnSpc>
-              <a:spcBef>
-                <a:spcPts val="500"/>
-              </a:spcBef>
-              <a:buFont typeface="Arial" panose="020B0604020202020204" pitchFamily="34" charset="0"/>
-              <a:buChar char="•"/>
-              <a:defRPr sz="1800" kern="1200">
-                <a:solidFill>
-                  <a:schemeClr val="tx1"/>
-                </a:solidFill>
-                <a:latin typeface="+mn-lt"/>
-                <a:ea typeface="+mn-ea"/>
-                <a:cs typeface="+mn-cs"/>
-              </a:defRPr>
-            </a:lvl6pPr>
-            <a:lvl7pPr marL="2971800" indent="-228600" algn="l" defTabSz="914400" rtl="0" eaLnBrk="1" latinLnBrk="0" hangingPunct="1">
-              <a:lnSpc>
-                <a:spcPct val="90000"/>
-              </a:lnSpc>
-              <a:spcBef>
-                <a:spcPts val="500"/>
-              </a:spcBef>
-              <a:buFont typeface="Arial" panose="020B0604020202020204" pitchFamily="34" charset="0"/>
-              <a:buChar char="•"/>
-              <a:defRPr sz="1800" kern="1200">
-                <a:solidFill>
-                  <a:schemeClr val="tx1"/>
-                </a:solidFill>
-                <a:latin typeface="+mn-lt"/>
-                <a:ea typeface="+mn-ea"/>
-                <a:cs typeface="+mn-cs"/>
-              </a:defRPr>
-            </a:lvl7pPr>
-            <a:lvl8pPr marL="3429000" indent="-228600" algn="l" defTabSz="914400" rtl="0" eaLnBrk="1" latinLnBrk="0" hangingPunct="1">
-              <a:lnSpc>
-                <a:spcPct val="90000"/>
-              </a:lnSpc>
-              <a:spcBef>
-                <a:spcPts val="500"/>
-              </a:spcBef>
-              <a:buFont typeface="Arial" panose="020B0604020202020204" pitchFamily="34" charset="0"/>
-              <a:buChar char="•"/>
-              <a:defRPr sz="1800" kern="1200">
-                <a:solidFill>
-                  <a:schemeClr val="tx1"/>
-                </a:solidFill>
-                <a:latin typeface="+mn-lt"/>
-                <a:ea typeface="+mn-ea"/>
-                <a:cs typeface="+mn-cs"/>
-              </a:defRPr>
-            </a:lvl8pPr>
-            <a:lvl9pPr marL="3886200" indent="-228600" algn="l" defTabSz="914400" rtl="0" eaLnBrk="1" latinLnBrk="0" hangingPunct="1">
-              <a:lnSpc>
-                <a:spcPct val="90000"/>
-              </a:lnSpc>
-              <a:spcBef>
-                <a:spcPts val="500"/>
-              </a:spcBef>
-              <a:buFont typeface="Arial" panose="020B0604020202020204" pitchFamily="34" charset="0"/>
-              <a:buChar char="•"/>
-              <a:defRPr sz="1800" kern="1200">
-                <a:solidFill>
-                  <a:schemeClr val="tx1"/>
-                </a:solidFill>
-                <a:latin typeface="+mn-lt"/>
-                <a:ea typeface="+mn-ea"/>
-                <a:cs typeface="+mn-cs"/>
-              </a:defRPr>
-            </a:lvl9pPr>
-          </a:lstStyle>
-          <a:p>
-            <a:pPr>
-              <a:lnSpc>
-                <a:spcPct val="120000"/>
-              </a:lnSpc>
-            </a:pPr>
-            <a:r>
-              <a:rPr lang="zh-CN" altLang="en-US" dirty="0"/>
-              <a:t>基于</a:t>
-            </a:r>
-            <a:r>
-              <a:rPr lang="en-US" altLang="zh-CN" dirty="0"/>
-              <a:t>Rust</a:t>
-            </a:r>
-            <a:r>
-              <a:rPr lang="zh-CN" altLang="en-US" dirty="0"/>
-              <a:t>的</a:t>
-            </a:r>
-            <a:r>
-              <a:rPr lang="en-US" altLang="zh-CN" dirty="0"/>
-              <a:t>DSL</a:t>
-            </a:r>
-            <a:r>
-              <a:rPr lang="zh-CN" altLang="en-US" dirty="0"/>
-              <a:t>对标前端</a:t>
-            </a:r>
-            <a:r>
-              <a:rPr lang="en-US" altLang="zh-CN" dirty="0"/>
-              <a:t>JS DSL</a:t>
-            </a:r>
-          </a:p>
-          <a:p>
-            <a:pPr lvl="1">
-              <a:lnSpc>
-                <a:spcPct val="120000"/>
-              </a:lnSpc>
-            </a:pPr>
-            <a:r>
-              <a:rPr lang="zh-CN" altLang="en-US" dirty="0"/>
-              <a:t>排版布局 </a:t>
-            </a:r>
-            <a:endParaRPr lang="en-US" altLang="zh-CN" dirty="0"/>
-          </a:p>
-          <a:p>
-            <a:pPr lvl="2">
-              <a:lnSpc>
-                <a:spcPct val="120000"/>
-              </a:lnSpc>
-            </a:pPr>
-            <a:r>
-              <a:rPr lang="en-US" altLang="zh-CN" dirty="0" err="1"/>
-              <a:t>Makepad</a:t>
-            </a:r>
-            <a:r>
-              <a:rPr lang="zh-CN" altLang="en-US" dirty="0"/>
-              <a:t> 的 </a:t>
-            </a:r>
-            <a:r>
-              <a:rPr lang="en-US" altLang="zh-CN" dirty="0" err="1"/>
-              <a:t>sharder</a:t>
-            </a:r>
-            <a:r>
-              <a:rPr lang="en-US" altLang="zh-CN" dirty="0"/>
-              <a:t> DSL</a:t>
-            </a:r>
-            <a:r>
-              <a:rPr lang="zh-CN" altLang="en-US" dirty="0"/>
-              <a:t>，兼容</a:t>
-            </a:r>
-            <a:r>
-              <a:rPr lang="en-US" altLang="zh-CN" dirty="0"/>
-              <a:t>CSS</a:t>
-            </a:r>
-            <a:r>
-              <a:rPr lang="zh-CN" altLang="en-US" dirty="0"/>
-              <a:t>，借鉴</a:t>
-            </a:r>
-            <a:r>
-              <a:rPr lang="en-US" altLang="zh-CN" dirty="0" err="1"/>
-              <a:t>sharder</a:t>
-            </a:r>
-            <a:r>
-              <a:rPr lang="en-US" altLang="zh-CN" dirty="0"/>
-              <a:t> DSL</a:t>
-            </a:r>
-            <a:r>
-              <a:rPr lang="zh-CN" altLang="en-US" dirty="0"/>
-              <a:t>，充分利用</a:t>
-            </a:r>
-            <a:r>
-              <a:rPr lang="en-US" altLang="zh-CN" dirty="0"/>
-              <a:t>GPU </a:t>
-            </a:r>
-            <a:r>
-              <a:rPr lang="zh-CN" altLang="en-US" dirty="0"/>
-              <a:t>（</a:t>
-            </a:r>
-            <a:r>
-              <a:rPr lang="en-US" altLang="zh-CN" dirty="0"/>
-              <a:t> https://github.com/makepad/makepad_docs/blob/main/Makepad%20Whitepaper%202020.pdf </a:t>
-            </a:r>
-            <a:r>
-              <a:rPr lang="zh-CN" altLang="en-US" dirty="0"/>
-              <a:t>）</a:t>
-            </a:r>
-            <a:endParaRPr lang="en-US" altLang="zh-CN" dirty="0"/>
-          </a:p>
-          <a:p>
-            <a:pPr lvl="1">
-              <a:lnSpc>
-                <a:spcPct val="120000"/>
-              </a:lnSpc>
-            </a:pPr>
-            <a:r>
-              <a:rPr lang="zh-CN" altLang="en-US" dirty="0"/>
-              <a:t>业务逻辑</a:t>
-            </a:r>
-            <a:endParaRPr lang="en-US" altLang="zh-CN" dirty="0"/>
-          </a:p>
-          <a:p>
-            <a:pPr lvl="2">
-              <a:lnSpc>
-                <a:spcPct val="120000"/>
-              </a:lnSpc>
-            </a:pPr>
-            <a:r>
-              <a:rPr lang="en-US" altLang="zh-CN" dirty="0"/>
-              <a:t>TS, JS compiler in Rust, https://github.com/swc-project/swc</a:t>
-            </a:r>
-          </a:p>
-          <a:p>
-            <a:pPr lvl="2">
-              <a:lnSpc>
-                <a:spcPct val="120000"/>
-              </a:lnSpc>
-            </a:pPr>
-            <a:r>
-              <a:rPr lang="zh-CN" altLang="en-US" dirty="0"/>
-              <a:t>通过</a:t>
-            </a:r>
-            <a:r>
-              <a:rPr lang="en-US" altLang="zh-CN" dirty="0"/>
-              <a:t>WASM</a:t>
-            </a:r>
-            <a:r>
-              <a:rPr lang="zh-CN" altLang="en-US" dirty="0"/>
-              <a:t>支持多种语言编写业务逻辑</a:t>
-            </a:r>
-            <a:endParaRPr lang="en-US" altLang="zh-CN" dirty="0"/>
-          </a:p>
-          <a:p>
-            <a:pPr lvl="1">
-              <a:lnSpc>
-                <a:spcPct val="120000"/>
-              </a:lnSpc>
-            </a:pPr>
-            <a:r>
-              <a:rPr lang="zh-CN" altLang="en-US" dirty="0"/>
-              <a:t>计算类型</a:t>
-            </a:r>
-            <a:endParaRPr lang="en-US" altLang="zh-CN" dirty="0"/>
-          </a:p>
-          <a:p>
-            <a:pPr lvl="2">
-              <a:lnSpc>
-                <a:spcPct val="120000"/>
-              </a:lnSpc>
-            </a:pPr>
-            <a:r>
-              <a:rPr lang="en-US" altLang="zh-CN" dirty="0"/>
-              <a:t>WASM</a:t>
-            </a:r>
-            <a:r>
-              <a:rPr lang="zh-CN" altLang="en-US" dirty="0"/>
-              <a:t>的能力库</a:t>
-            </a:r>
-            <a:endParaRPr lang="en-US" altLang="zh-CN" dirty="0"/>
-          </a:p>
-          <a:p>
-            <a:pPr lvl="1">
-              <a:lnSpc>
-                <a:spcPct val="120000"/>
-              </a:lnSpc>
-            </a:pPr>
-            <a:r>
-              <a:rPr lang="zh-CN" altLang="en-US" dirty="0"/>
-              <a:t>数据</a:t>
-            </a:r>
-            <a:r>
-              <a:rPr lang="en-US" altLang="zh-CN" dirty="0"/>
-              <a:t>ORM</a:t>
-            </a:r>
-          </a:p>
-          <a:p>
-            <a:pPr lvl="2">
-              <a:lnSpc>
-                <a:spcPct val="120000"/>
-              </a:lnSpc>
-            </a:pPr>
-            <a:r>
-              <a:rPr lang="zh-CN" altLang="en-US" dirty="0"/>
-              <a:t>支持</a:t>
-            </a:r>
-            <a:r>
-              <a:rPr lang="en-US" altLang="zh-CN" dirty="0" err="1"/>
-              <a:t>GraphQL</a:t>
-            </a:r>
-            <a:r>
-              <a:rPr lang="en-US" altLang="zh-CN" dirty="0"/>
-              <a:t> in Rust</a:t>
-            </a:r>
-          </a:p>
-          <a:p>
-            <a:pPr lvl="2"/>
-            <a:endParaRPr lang="en-US" dirty="0"/>
-          </a:p>
-        </p:txBody>
-      </p:sp>
-    </p:spTree>
-    <p:extLst>
-      <p:ext uri="{BB962C8B-B14F-4D97-AF65-F5344CB8AC3E}">
-        <p14:creationId xmlns:p14="http://schemas.microsoft.com/office/powerpoint/2010/main" val="2745937856"/>
-      </p:ext>
-    </p:extLst>
-  </p:cSld>
-  <p:clrMapOvr>
-    <a:masterClrMapping/>
-  </p:clrMapOvr>
-</p:sld>
-</file>
-
 <file path=ppt/theme/theme1.xml><?xml version="1.0" encoding="utf-8"?>
 <a:theme xmlns:a="http://schemas.openxmlformats.org/drawingml/2006/main" name="Office Theme">
   <a:themeElements>

--- a/_posts/Next Gen App Architecture.pptx
+++ b/_posts/Next Gen App Architecture.pptx
@@ -13039,14 +13039,21 @@
         </p:nvSpPr>
         <p:spPr>
           <a:xfrm>
-            <a:off x="6806526" y="1825625"/>
-            <a:ext cx="4547273" cy="4520674"/>
+            <a:off x="6806526" y="1825624"/>
+            <a:ext cx="4547273" cy="5047515"/>
           </a:xfrm>
         </p:spPr>
         <p:txBody>
-          <a:bodyPr/>
+          <a:bodyPr>
+            <a:normAutofit fontScale="85000" lnSpcReduction="20000"/>
+          </a:bodyPr>
           <a:lstStyle/>
           <a:p>
+            <a:pPr>
+              <a:lnSpc>
+                <a:spcPct val="120000"/>
+              </a:lnSpc>
+            </a:pPr>
             <a:r>
               <a:rPr lang="en-US" dirty="0"/>
               <a:t>UI DSL </a:t>
@@ -13066,13 +13073,26 @@
             <a:endParaRPr lang="en-US" altLang="zh-CN" dirty="0"/>
           </a:p>
           <a:p>
+            <a:pPr>
+              <a:lnSpc>
+                <a:spcPct val="120000"/>
+              </a:lnSpc>
+            </a:pPr>
             <a:r>
               <a:rPr lang="en-US" altLang="zh-CN" dirty="0"/>
               <a:t>DSL </a:t>
             </a:r>
             <a:r>
               <a:rPr lang="zh-CN" altLang="en-US" dirty="0"/>
-              <a:t>代码被编译为</a:t>
+              <a:t>代码被</a:t>
+            </a:r>
+            <a:r>
+              <a:rPr lang="en-US" altLang="zh-CN" dirty="0"/>
+              <a:t>Rust</a:t>
+            </a:r>
+            <a:r>
+              <a:rPr lang="zh-CN" altLang="en-US" dirty="0"/>
+              <a:t>编写的解释器在</a:t>
             </a:r>
             <a:r>
               <a:rPr lang="en-US" altLang="zh-CN" dirty="0"/>
@@ -13080,7 +13100,30 @@
             </a:r>
             <a:r>
               <a:rPr lang="zh-CN" altLang="en-US" dirty="0"/>
-              <a:t>，被</a:t>
+              <a:t>内执行，</a:t>
+            </a:r>
+            <a:r>
+              <a:rPr lang="en-US" altLang="zh-CN" dirty="0"/>
+              <a:t>DSL</a:t>
+            </a:r>
+            <a:r>
+              <a:rPr lang="zh-CN" altLang="en-US" dirty="0"/>
+              <a:t>代码可以不断输入给解释器</a:t>
+            </a:r>
+            <a:r>
+              <a:rPr lang="en-US" altLang="zh-CN" dirty="0"/>
+              <a:t>WASM</a:t>
+            </a:r>
+          </a:p>
+          <a:p>
+            <a:pPr>
+              <a:lnSpc>
+                <a:spcPct val="120000"/>
+              </a:lnSpc>
+            </a:pPr>
+            <a:r>
+              <a:rPr lang="zh-CN" altLang="en-US" dirty="0"/>
+              <a:t>基于</a:t>
             </a:r>
             <a:r>
               <a:rPr lang="en-US" altLang="zh-CN" dirty="0"/>
@@ -13088,18 +13131,51 @@
             </a:r>
             <a:r>
               <a:rPr lang="zh-CN" altLang="en-US" dirty="0"/>
-              <a:t>编写的解释器执行</a:t>
-            </a:r>
-            <a:endParaRPr lang="en-US" altLang="zh-CN" dirty="0"/>
+              <a:t>实现</a:t>
+            </a:r>
+            <a:r>
+              <a:rPr lang="en-US" altLang="zh-CN" dirty="0"/>
+              <a:t>immediate mode</a:t>
+            </a:r>
+            <a:r>
+              <a:rPr lang="zh-CN" altLang="en-US" dirty="0"/>
+              <a:t>的</a:t>
+            </a:r>
+            <a:r>
+              <a:rPr lang="en-US" altLang="zh-CN" dirty="0"/>
+              <a:t>GPU GUI</a:t>
+            </a:r>
+            <a:r>
+              <a:rPr lang="zh-CN" altLang="en-US" dirty="0"/>
+              <a:t>，编译为</a:t>
+            </a:r>
+            <a:r>
+              <a:rPr lang="en-US" altLang="zh-CN" dirty="0"/>
+              <a:t>WASM</a:t>
+            </a:r>
+            <a:endParaRPr lang="en-US" dirty="0"/>
           </a:p>
           <a:p>
+            <a:pPr>
+              <a:lnSpc>
+                <a:spcPct val="120000"/>
+              </a:lnSpc>
+            </a:pPr>
             <a:r>
               <a:rPr lang="en-US" altLang="zh-CN" dirty="0"/>
               <a:t>DSL</a:t>
             </a:r>
             <a:r>
               <a:rPr lang="zh-CN" altLang="en-US" dirty="0"/>
-              <a:t>代码</a:t>
+              <a:t>代码解释器和</a:t>
+            </a:r>
+            <a:r>
+              <a:rPr lang="en-US" altLang="zh-CN" dirty="0"/>
+              <a:t>UI stack </a:t>
+            </a:r>
+            <a:r>
+              <a:rPr lang="zh-CN" altLang="en-US" dirty="0"/>
+              <a:t>编译为</a:t>
             </a:r>
             <a:r>
               <a:rPr lang="en-US" altLang="zh-CN" dirty="0"/>
@@ -13126,33 +13202,6 @@
               <a:t>代码链接</a:t>
             </a:r>
             <a:endParaRPr lang="en-US" altLang="zh-CN" dirty="0"/>
-          </a:p>
-          <a:p>
-            <a:r>
-              <a:rPr lang="zh-CN" altLang="en-US" dirty="0"/>
-              <a:t>基于</a:t>
-            </a:r>
-            <a:r>
-              <a:rPr lang="en-US" altLang="zh-CN" dirty="0"/>
-              <a:t>Rust</a:t>
-            </a:r>
-            <a:r>
-              <a:rPr lang="zh-CN" altLang="en-US" dirty="0"/>
-              <a:t>实现</a:t>
-            </a:r>
-            <a:r>
-              <a:rPr lang="en-US" altLang="zh-CN" dirty="0"/>
-              <a:t>immediate mode</a:t>
-            </a:r>
-            <a:r>
-              <a:rPr lang="zh-CN" altLang="en-US" dirty="0"/>
-              <a:t>的</a:t>
-            </a:r>
-            <a:r>
-              <a:rPr lang="en-US" altLang="zh-CN" dirty="0"/>
-              <a:t>GPU GUI</a:t>
-            </a:r>
-            <a:endParaRPr lang="en-US" dirty="0"/>
           </a:p>
         </p:txBody>
       </p:sp>
